--- a/docs/pptx/architecture.pptx
+++ b/docs/pptx/architecture.pptx
@@ -105,6 +105,11 @@
       </a:defRPr>
     </a:lvl9pPr>
   </p:defaultTextStyle>
+  <p:extLst>
+    <p:ext uri="{EFAFB233-063F-42B5-8137-9DF3F51BA10A}">
+      <p15:sldGuideLst xmlns:p15="http://schemas.microsoft.com/office/powerpoint/2012/main"/>
+    </p:ext>
+  </p:extLst>
 </p:presentation>
 </file>
 
@@ -257,7 +262,7 @@
           <a:p>
             <a:fld id="{F26DBA4E-226E-6244-85C4-517D6981A2D5}" type="datetimeFigureOut">
               <a:rPr lang="en-FR" smtClean="0"/>
-              <a:t>26/11/2020</a:t>
+              <a:t>21/01/2021</a:t>
             </a:fld>
             <a:endParaRPr lang="en-FR"/>
           </a:p>
@@ -457,7 +462,7 @@
           <a:p>
             <a:fld id="{F26DBA4E-226E-6244-85C4-517D6981A2D5}" type="datetimeFigureOut">
               <a:rPr lang="en-FR" smtClean="0"/>
-              <a:t>26/11/2020</a:t>
+              <a:t>21/01/2021</a:t>
             </a:fld>
             <a:endParaRPr lang="en-FR"/>
           </a:p>
@@ -667,7 +672,7 @@
           <a:p>
             <a:fld id="{F26DBA4E-226E-6244-85C4-517D6981A2D5}" type="datetimeFigureOut">
               <a:rPr lang="en-FR" smtClean="0"/>
-              <a:t>26/11/2020</a:t>
+              <a:t>21/01/2021</a:t>
             </a:fld>
             <a:endParaRPr lang="en-FR"/>
           </a:p>
@@ -867,7 +872,7 @@
           <a:p>
             <a:fld id="{F26DBA4E-226E-6244-85C4-517D6981A2D5}" type="datetimeFigureOut">
               <a:rPr lang="en-FR" smtClean="0"/>
-              <a:t>26/11/2020</a:t>
+              <a:t>21/01/2021</a:t>
             </a:fld>
             <a:endParaRPr lang="en-FR"/>
           </a:p>
@@ -1143,7 +1148,7 @@
           <a:p>
             <a:fld id="{F26DBA4E-226E-6244-85C4-517D6981A2D5}" type="datetimeFigureOut">
               <a:rPr lang="en-FR" smtClean="0"/>
-              <a:t>26/11/2020</a:t>
+              <a:t>21/01/2021</a:t>
             </a:fld>
             <a:endParaRPr lang="en-FR"/>
           </a:p>
@@ -1411,7 +1416,7 @@
           <a:p>
             <a:fld id="{F26DBA4E-226E-6244-85C4-517D6981A2D5}" type="datetimeFigureOut">
               <a:rPr lang="en-FR" smtClean="0"/>
-              <a:t>26/11/2020</a:t>
+              <a:t>21/01/2021</a:t>
             </a:fld>
             <a:endParaRPr lang="en-FR"/>
           </a:p>
@@ -1826,7 +1831,7 @@
           <a:p>
             <a:fld id="{F26DBA4E-226E-6244-85C4-517D6981A2D5}" type="datetimeFigureOut">
               <a:rPr lang="en-FR" smtClean="0"/>
-              <a:t>26/11/2020</a:t>
+              <a:t>21/01/2021</a:t>
             </a:fld>
             <a:endParaRPr lang="en-FR"/>
           </a:p>
@@ -1968,7 +1973,7 @@
           <a:p>
             <a:fld id="{F26DBA4E-226E-6244-85C4-517D6981A2D5}" type="datetimeFigureOut">
               <a:rPr lang="en-FR" smtClean="0"/>
-              <a:t>26/11/2020</a:t>
+              <a:t>21/01/2021</a:t>
             </a:fld>
             <a:endParaRPr lang="en-FR"/>
           </a:p>
@@ -2081,7 +2086,7 @@
           <a:p>
             <a:fld id="{F26DBA4E-226E-6244-85C4-517D6981A2D5}" type="datetimeFigureOut">
               <a:rPr lang="en-FR" smtClean="0"/>
-              <a:t>26/11/2020</a:t>
+              <a:t>21/01/2021</a:t>
             </a:fld>
             <a:endParaRPr lang="en-FR"/>
           </a:p>
@@ -2394,7 +2399,7 @@
           <a:p>
             <a:fld id="{F26DBA4E-226E-6244-85C4-517D6981A2D5}" type="datetimeFigureOut">
               <a:rPr lang="en-FR" smtClean="0"/>
-              <a:t>26/11/2020</a:t>
+              <a:t>21/01/2021</a:t>
             </a:fld>
             <a:endParaRPr lang="en-FR"/>
           </a:p>
@@ -2683,7 +2688,7 @@
           <a:p>
             <a:fld id="{F26DBA4E-226E-6244-85C4-517D6981A2D5}" type="datetimeFigureOut">
               <a:rPr lang="en-FR" smtClean="0"/>
-              <a:t>26/11/2020</a:t>
+              <a:t>21/01/2021</a:t>
             </a:fld>
             <a:endParaRPr lang="en-FR"/>
           </a:p>
@@ -2926,7 +2931,7 @@
           <a:p>
             <a:fld id="{F26DBA4E-226E-6244-85C4-517D6981A2D5}" type="datetimeFigureOut">
               <a:rPr lang="en-FR" smtClean="0"/>
-              <a:t>26/11/2020</a:t>
+              <a:t>21/01/2021</a:t>
             </a:fld>
             <a:endParaRPr lang="en-FR"/>
           </a:p>
@@ -3364,7 +3369,10 @@
           <a:bodyPr/>
           <a:lstStyle/>
           <a:p>
-            <a:endParaRPr lang="en-FR"/>
+            <a:r>
+              <a:rPr lang="en-FR"/>
+              <a:t>Architecture</a:t>
+            </a:r>
           </a:p>
         </p:txBody>
       </p:sp>
@@ -3423,266 +3431,6 @@
           <a:chExt cx="0" cy="0"/>
         </a:xfrm>
       </p:grpSpPr>
-      <p:sp>
-        <p:nvSpPr>
-          <p:cNvPr id="4" name="Rectangle 3">
-            <a:extLst>
-              <a:ext uri="{FF2B5EF4-FFF2-40B4-BE49-F238E27FC236}">
-                <a16:creationId xmlns:a16="http://schemas.microsoft.com/office/drawing/2014/main" id="{7A2C1209-2588-A647-AE68-A592B1E9439D}"/>
-              </a:ext>
-            </a:extLst>
-          </p:cNvPr>
-          <p:cNvSpPr>
-            <a:spLocks noChangeAspect="1"/>
-          </p:cNvSpPr>
-          <p:nvPr/>
-        </p:nvSpPr>
-        <p:spPr>
-          <a:xfrm>
-            <a:off x="3421916" y="2529000"/>
-            <a:ext cx="1800000" cy="1800000"/>
-          </a:xfrm>
-          <a:prstGeom prst="rect">
-            <a:avLst/>
-          </a:prstGeom>
-          <a:noFill/>
-          <a:ln w="57150">
-            <a:solidFill>
-              <a:schemeClr val="tx1"/>
-            </a:solidFill>
-          </a:ln>
-        </p:spPr>
-        <p:style>
-          <a:lnRef idx="2">
-            <a:schemeClr val="accent1">
-              <a:shade val="50000"/>
-            </a:schemeClr>
-          </a:lnRef>
-          <a:fillRef idx="1">
-            <a:schemeClr val="accent1"/>
-          </a:fillRef>
-          <a:effectRef idx="0">
-            <a:schemeClr val="accent1"/>
-          </a:effectRef>
-          <a:fontRef idx="minor">
-            <a:schemeClr val="lt1"/>
-          </a:fontRef>
-        </p:style>
-        <p:txBody>
-          <a:bodyPr rtlCol="0" anchor="ctr"/>
-          <a:lstStyle/>
-          <a:p>
-            <a:pPr algn="ctr"/>
-            <a:r>
-              <a:rPr lang="en-FR" sz="3600" dirty="0">
-                <a:solidFill>
-                  <a:schemeClr val="tx1"/>
-                </a:solidFill>
-              </a:rPr>
-              <a:t>DAO</a:t>
-            </a:r>
-          </a:p>
-          <a:p>
-            <a:pPr algn="ctr"/>
-            <a:endParaRPr lang="en-FR" sz="3600" dirty="0">
-              <a:solidFill>
-                <a:schemeClr val="tx1"/>
-              </a:solidFill>
-            </a:endParaRPr>
-          </a:p>
-          <a:p>
-            <a:pPr algn="ctr"/>
-            <a:endParaRPr lang="en-FR" sz="3600" dirty="0">
-              <a:solidFill>
-                <a:schemeClr val="tx1"/>
-              </a:solidFill>
-            </a:endParaRPr>
-          </a:p>
-        </p:txBody>
-      </p:sp>
-      <p:sp>
-        <p:nvSpPr>
-          <p:cNvPr id="5" name="Rectangle 4">
-            <a:extLst>
-              <a:ext uri="{FF2B5EF4-FFF2-40B4-BE49-F238E27FC236}">
-                <a16:creationId xmlns:a16="http://schemas.microsoft.com/office/drawing/2014/main" id="{999A2E13-B66E-884F-8F49-17716DC76CDC}"/>
-              </a:ext>
-            </a:extLst>
-          </p:cNvPr>
-          <p:cNvSpPr>
-            <a:spLocks noChangeAspect="1"/>
-          </p:cNvSpPr>
-          <p:nvPr/>
-        </p:nvSpPr>
-        <p:spPr>
-          <a:xfrm>
-            <a:off x="6268546" y="2529000"/>
-            <a:ext cx="1800000" cy="1800000"/>
-          </a:xfrm>
-          <a:prstGeom prst="rect">
-            <a:avLst/>
-          </a:prstGeom>
-          <a:noFill/>
-          <a:ln w="57150">
-            <a:solidFill>
-              <a:schemeClr val="tx1"/>
-            </a:solidFill>
-          </a:ln>
-        </p:spPr>
-        <p:style>
-          <a:lnRef idx="2">
-            <a:schemeClr val="accent1">
-              <a:shade val="50000"/>
-            </a:schemeClr>
-          </a:lnRef>
-          <a:fillRef idx="1">
-            <a:schemeClr val="accent1"/>
-          </a:fillRef>
-          <a:effectRef idx="0">
-            <a:schemeClr val="accent1"/>
-          </a:effectRef>
-          <a:fontRef idx="minor">
-            <a:schemeClr val="lt1"/>
-          </a:fontRef>
-        </p:style>
-        <p:txBody>
-          <a:bodyPr rtlCol="0" anchor="ctr"/>
-          <a:lstStyle/>
-          <a:p>
-            <a:pPr algn="ctr"/>
-            <a:r>
-              <a:rPr lang="en-FR" sz="3600" dirty="0">
-                <a:solidFill>
-                  <a:schemeClr val="tx1"/>
-                </a:solidFill>
-              </a:rPr>
-              <a:t>BLS</a:t>
-            </a:r>
-          </a:p>
-          <a:p>
-            <a:pPr algn="ctr"/>
-            <a:endParaRPr lang="en-FR" sz="3600" dirty="0">
-              <a:solidFill>
-                <a:schemeClr val="tx1"/>
-              </a:solidFill>
-            </a:endParaRPr>
-          </a:p>
-          <a:p>
-            <a:pPr algn="ctr"/>
-            <a:endParaRPr lang="en-FR" sz="3600" dirty="0">
-              <a:solidFill>
-                <a:schemeClr val="tx1"/>
-              </a:solidFill>
-            </a:endParaRPr>
-          </a:p>
-        </p:txBody>
-      </p:sp>
-      <p:sp>
-        <p:nvSpPr>
-          <p:cNvPr id="6" name="Rectangle 5">
-            <a:extLst>
-              <a:ext uri="{FF2B5EF4-FFF2-40B4-BE49-F238E27FC236}">
-                <a16:creationId xmlns:a16="http://schemas.microsoft.com/office/drawing/2014/main" id="{BBCB8F4A-0CC9-6146-AB09-5E3A4CFC0A32}"/>
-              </a:ext>
-            </a:extLst>
-          </p:cNvPr>
-          <p:cNvSpPr>
-            <a:spLocks noChangeAspect="1"/>
-          </p:cNvSpPr>
-          <p:nvPr/>
-        </p:nvSpPr>
-        <p:spPr>
-          <a:xfrm>
-            <a:off x="9350060" y="2529000"/>
-            <a:ext cx="1800000" cy="1800000"/>
-          </a:xfrm>
-          <a:prstGeom prst="rect">
-            <a:avLst/>
-          </a:prstGeom>
-          <a:noFill/>
-          <a:ln w="57150">
-            <a:solidFill>
-              <a:schemeClr val="tx1"/>
-            </a:solidFill>
-          </a:ln>
-        </p:spPr>
-        <p:style>
-          <a:lnRef idx="2">
-            <a:schemeClr val="accent1">
-              <a:shade val="50000"/>
-            </a:schemeClr>
-          </a:lnRef>
-          <a:fillRef idx="1">
-            <a:schemeClr val="accent1"/>
-          </a:fillRef>
-          <a:effectRef idx="0">
-            <a:schemeClr val="accent1"/>
-          </a:effectRef>
-          <a:fontRef idx="minor">
-            <a:schemeClr val="lt1"/>
-          </a:fontRef>
-        </p:style>
-        <p:txBody>
-          <a:bodyPr rtlCol="0" anchor="ctr"/>
-          <a:lstStyle/>
-          <a:p>
-            <a:pPr algn="ctr"/>
-            <a:r>
-              <a:rPr lang="en-FR" sz="3600" dirty="0">
-                <a:solidFill>
-                  <a:schemeClr val="tx1"/>
-                </a:solidFill>
-              </a:rPr>
-              <a:t>UI</a:t>
-            </a:r>
-          </a:p>
-          <a:p>
-            <a:pPr algn="ctr"/>
-            <a:endParaRPr lang="en-FR" sz="3600" dirty="0">
-              <a:solidFill>
-                <a:schemeClr val="tx1"/>
-              </a:solidFill>
-            </a:endParaRPr>
-          </a:p>
-          <a:p>
-            <a:pPr algn="ctr"/>
-            <a:endParaRPr lang="en-FR" sz="3600" dirty="0">
-              <a:solidFill>
-                <a:schemeClr val="tx1"/>
-              </a:solidFill>
-            </a:endParaRPr>
-          </a:p>
-        </p:txBody>
-      </p:sp>
-      <p:pic>
-        <p:nvPicPr>
-          <p:cNvPr id="7" name="Picture 6">
-            <a:extLst>
-              <a:ext uri="{FF2B5EF4-FFF2-40B4-BE49-F238E27FC236}">
-                <a16:creationId xmlns:a16="http://schemas.microsoft.com/office/drawing/2014/main" id="{4931E381-8925-4A4C-A888-DB4419E409C4}"/>
-              </a:ext>
-            </a:extLst>
-          </p:cNvPr>
-          <p:cNvPicPr>
-            <a:picLocks noChangeAspect="1"/>
-          </p:cNvPicPr>
-          <p:nvPr/>
-        </p:nvPicPr>
-        <p:blipFill rotWithShape="1">
-          <a:blip r:embed="rId2"/>
-          <a:srcRect l="7671" r="7702" b="4050"/>
-          <a:stretch/>
-        </p:blipFill>
-        <p:spPr>
-          <a:xfrm>
-            <a:off x="787701" y="2529000"/>
-            <a:ext cx="1587585" cy="1800000"/>
-          </a:xfrm>
-          <a:prstGeom prst="rect">
-            <a:avLst/>
-          </a:prstGeom>
-        </p:spPr>
-      </p:pic>
       <p:cxnSp>
         <p:nvCxnSpPr>
           <p:cNvPr id="8" name="Straight Arrow Connector 7">
@@ -3694,15 +3442,15 @@
           </p:cNvPr>
           <p:cNvCxnSpPr>
             <a:cxnSpLocks/>
-            <a:stCxn id="7" idx="3"/>
+            <a:stCxn id="47" idx="3"/>
             <a:endCxn id="4" idx="1"/>
           </p:cNvCxnSpPr>
           <p:nvPr/>
         </p:nvCxnSpPr>
         <p:spPr>
-          <a:xfrm>
-            <a:off x="2375286" y="3429000"/>
-            <a:ext cx="1046630" cy="0"/>
+          <a:xfrm flipV="1">
+            <a:off x="2099781" y="3443726"/>
+            <a:ext cx="1023541" cy="1"/>
           </a:xfrm>
           <a:prstGeom prst="straightConnector1">
             <a:avLst/>
@@ -3741,15 +3489,15 @@
           </p:cNvPr>
           <p:cNvCxnSpPr>
             <a:cxnSpLocks/>
-            <a:stCxn id="4" idx="3"/>
-            <a:endCxn id="5" idx="1"/>
+            <a:stCxn id="4" idx="2"/>
+            <a:endCxn id="37" idx="1"/>
           </p:cNvCxnSpPr>
           <p:nvPr/>
         </p:nvCxnSpPr>
         <p:spPr>
           <a:xfrm>
-            <a:off x="5221916" y="3429000"/>
-            <a:ext cx="1046630" cy="0"/>
+            <a:off x="3850007" y="4193819"/>
+            <a:ext cx="1750226" cy="1214788"/>
           </a:xfrm>
           <a:prstGeom prst="straightConnector1">
             <a:avLst/>
@@ -3788,15 +3536,15 @@
           </p:cNvPr>
           <p:cNvCxnSpPr>
             <a:cxnSpLocks/>
-            <a:stCxn id="5" idx="3"/>
-            <a:endCxn id="6" idx="1"/>
+            <a:stCxn id="37" idx="3"/>
+            <a:endCxn id="62" idx="1"/>
           </p:cNvCxnSpPr>
           <p:nvPr/>
         </p:nvCxnSpPr>
         <p:spPr>
           <a:xfrm>
-            <a:off x="8068546" y="3429000"/>
-            <a:ext cx="1281514" cy="0"/>
+            <a:off x="7053603" y="5408607"/>
+            <a:ext cx="1023541" cy="1"/>
           </a:xfrm>
           <a:prstGeom prst="straightConnector1">
             <a:avLst/>
@@ -3839,7 +3587,7 @@
           <p:nvPr/>
         </p:nvPicPr>
         <p:blipFill>
-          <a:blip r:embed="rId3">
+          <a:blip r:embed="rId2">
             <a:extLst>
               <a:ext uri="{28A0092B-C50C-407E-A947-70E740481C1C}">
                 <a14:useLocalDpi xmlns:a14="http://schemas.microsoft.com/office/drawing/2010/main" val="0"/>
@@ -3853,8 +3601,8 @@
         </p:blipFill>
         <p:spPr bwMode="auto">
           <a:xfrm>
-            <a:off x="9724256" y="3111714"/>
-            <a:ext cx="1051608" cy="1051608"/>
+            <a:off x="10457083" y="4747777"/>
+            <a:ext cx="1296802" cy="1321660"/>
           </a:xfrm>
           <a:prstGeom prst="rect">
             <a:avLst/>
@@ -3871,12 +3619,1098 @@
           </a:extLst>
         </p:spPr>
       </p:pic>
+      <p:grpSp>
+        <p:nvGrpSpPr>
+          <p:cNvPr id="34" name="Group 33">
+            <a:extLst>
+              <a:ext uri="{FF2B5EF4-FFF2-40B4-BE49-F238E27FC236}">
+                <a16:creationId xmlns:a16="http://schemas.microsoft.com/office/drawing/2014/main" id="{059813D0-BD6F-A145-A5CC-E683402767DC}"/>
+              </a:ext>
+            </a:extLst>
+          </p:cNvPr>
+          <p:cNvGrpSpPr/>
+          <p:nvPr/>
+        </p:nvGrpSpPr>
+        <p:grpSpPr>
+          <a:xfrm>
+            <a:off x="3123322" y="2693633"/>
+            <a:ext cx="1453370" cy="1500186"/>
+            <a:chOff x="3926792" y="2656504"/>
+            <a:chExt cx="1453370" cy="1500186"/>
+          </a:xfrm>
+        </p:grpSpPr>
+        <p:sp>
+          <p:nvSpPr>
+            <p:cNvPr id="4" name="Rectangle 3">
+              <a:extLst>
+                <a:ext uri="{FF2B5EF4-FFF2-40B4-BE49-F238E27FC236}">
+                  <a16:creationId xmlns:a16="http://schemas.microsoft.com/office/drawing/2014/main" id="{7A2C1209-2588-A647-AE68-A592B1E9439D}"/>
+                </a:ext>
+              </a:extLst>
+            </p:cNvPr>
+            <p:cNvSpPr>
+              <a:spLocks noChangeAspect="1"/>
+            </p:cNvSpPr>
+            <p:nvPr/>
+          </p:nvSpPr>
+          <p:spPr>
+            <a:xfrm>
+              <a:off x="3926792" y="2656504"/>
+              <a:ext cx="1453370" cy="1500186"/>
+            </a:xfrm>
+            <a:prstGeom prst="rect">
+              <a:avLst/>
+            </a:prstGeom>
+            <a:noFill/>
+            <a:ln w="57150">
+              <a:solidFill>
+                <a:schemeClr val="tx1"/>
+              </a:solidFill>
+            </a:ln>
+          </p:spPr>
+          <p:style>
+            <a:lnRef idx="2">
+              <a:schemeClr val="accent1">
+                <a:shade val="50000"/>
+              </a:schemeClr>
+            </a:lnRef>
+            <a:fillRef idx="1">
+              <a:schemeClr val="accent1"/>
+            </a:fillRef>
+            <a:effectRef idx="0">
+              <a:schemeClr val="accent1"/>
+            </a:effectRef>
+            <a:fontRef idx="minor">
+              <a:schemeClr val="lt1"/>
+            </a:fontRef>
+          </p:style>
+          <p:txBody>
+            <a:bodyPr rtlCol="0" anchor="ctr"/>
+            <a:lstStyle/>
+            <a:p>
+              <a:pPr algn="ctr"/>
+              <a:endParaRPr lang="en-FR" sz="3600" dirty="0">
+                <a:solidFill>
+                  <a:schemeClr val="tx1"/>
+                </a:solidFill>
+              </a:endParaRPr>
+            </a:p>
+            <a:p>
+              <a:pPr algn="ctr"/>
+              <a:endParaRPr lang="en-FR" sz="3600" dirty="0">
+                <a:solidFill>
+                  <a:schemeClr val="tx1"/>
+                </a:solidFill>
+              </a:endParaRPr>
+            </a:p>
+          </p:txBody>
+        </p:sp>
+        <p:pic>
+          <p:nvPicPr>
+            <p:cNvPr id="17" name="Picture 2" descr="Web and Mobile App Development Company in India | Silicon ...">
+              <a:extLst>
+                <a:ext uri="{FF2B5EF4-FFF2-40B4-BE49-F238E27FC236}">
+                  <a16:creationId xmlns:a16="http://schemas.microsoft.com/office/drawing/2014/main" id="{2D62CD02-EEA7-8147-8F70-2CEEFF4F6F9F}"/>
+                </a:ext>
+              </a:extLst>
+            </p:cNvPr>
+            <p:cNvPicPr>
+              <a:picLocks noChangeAspect="1" noChangeArrowheads="1"/>
+            </p:cNvPicPr>
+            <p:nvPr/>
+          </p:nvPicPr>
+          <p:blipFill>
+            <a:blip r:embed="rId3">
+              <a:extLst>
+                <a:ext uri="{28A0092B-C50C-407E-A947-70E740481C1C}">
+                  <a14:useLocalDpi xmlns:a14="http://schemas.microsoft.com/office/drawing/2010/main" val="0"/>
+                </a:ext>
+              </a:extLst>
+            </a:blip>
+            <a:srcRect/>
+            <a:stretch>
+              <a:fillRect/>
+            </a:stretch>
+          </p:blipFill>
+          <p:spPr bwMode="auto">
+            <a:xfrm>
+              <a:off x="4099747" y="2835030"/>
+              <a:ext cx="1107459" cy="1143134"/>
+            </a:xfrm>
+            <a:prstGeom prst="rect">
+              <a:avLst/>
+            </a:prstGeom>
+            <a:noFill/>
+            <a:extLst>
+              <a:ext uri="{909E8E84-426E-40DD-AFC4-6F175D3DCCD1}">
+                <a14:hiddenFill xmlns:a14="http://schemas.microsoft.com/office/drawing/2010/main">
+                  <a:solidFill>
+                    <a:srgbClr val="FFFFFF"/>
+                  </a:solidFill>
+                </a14:hiddenFill>
+              </a:ext>
+            </a:extLst>
+          </p:spPr>
+        </p:pic>
+      </p:grpSp>
+      <p:grpSp>
+        <p:nvGrpSpPr>
+          <p:cNvPr id="35" name="Group 34">
+            <a:extLst>
+              <a:ext uri="{FF2B5EF4-FFF2-40B4-BE49-F238E27FC236}">
+                <a16:creationId xmlns:a16="http://schemas.microsoft.com/office/drawing/2014/main" id="{25A0267E-3FAB-394B-88FC-3D4B3D8BB3EA}"/>
+              </a:ext>
+            </a:extLst>
+          </p:cNvPr>
+          <p:cNvGrpSpPr/>
+          <p:nvPr/>
+        </p:nvGrpSpPr>
+        <p:grpSpPr>
+          <a:xfrm>
+            <a:off x="5600233" y="2693633"/>
+            <a:ext cx="1453370" cy="1500187"/>
+            <a:chOff x="6117851" y="4781495"/>
+            <a:chExt cx="1873342" cy="1873342"/>
+          </a:xfrm>
+        </p:grpSpPr>
+        <p:pic>
+          <p:nvPicPr>
+            <p:cNvPr id="1026" name="Picture 2">
+              <a:extLst>
+                <a:ext uri="{FF2B5EF4-FFF2-40B4-BE49-F238E27FC236}">
+                  <a16:creationId xmlns:a16="http://schemas.microsoft.com/office/drawing/2014/main" id="{AE3B5928-C79C-8348-AFC0-E2535F6154F9}"/>
+                </a:ext>
+              </a:extLst>
+            </p:cNvPr>
+            <p:cNvPicPr>
+              <a:picLocks noChangeAspect="1" noChangeArrowheads="1"/>
+            </p:cNvPicPr>
+            <p:nvPr/>
+          </p:nvPicPr>
+          <p:blipFill>
+            <a:blip r:embed="rId4">
+              <a:extLst>
+                <a:ext uri="{28A0092B-C50C-407E-A947-70E740481C1C}">
+                  <a14:useLocalDpi xmlns:a14="http://schemas.microsoft.com/office/drawing/2010/main" val="0"/>
+                </a:ext>
+              </a:extLst>
+            </a:blip>
+            <a:srcRect/>
+            <a:stretch>
+              <a:fillRect/>
+            </a:stretch>
+          </p:blipFill>
+          <p:spPr bwMode="auto">
+            <a:xfrm>
+              <a:off x="6433256" y="5343336"/>
+              <a:ext cx="1242532" cy="749661"/>
+            </a:xfrm>
+            <a:prstGeom prst="rect">
+              <a:avLst/>
+            </a:prstGeom>
+            <a:noFill/>
+            <a:extLst>
+              <a:ext uri="{909E8E84-426E-40DD-AFC4-6F175D3DCCD1}">
+                <a14:hiddenFill xmlns:a14="http://schemas.microsoft.com/office/drawing/2010/main">
+                  <a:solidFill>
+                    <a:srgbClr val="FFFFFF"/>
+                  </a:solidFill>
+                </a14:hiddenFill>
+              </a:ext>
+            </a:extLst>
+          </p:spPr>
+        </p:pic>
+        <p:sp>
+          <p:nvSpPr>
+            <p:cNvPr id="28" name="Rectangle 27">
+              <a:extLst>
+                <a:ext uri="{FF2B5EF4-FFF2-40B4-BE49-F238E27FC236}">
+                  <a16:creationId xmlns:a16="http://schemas.microsoft.com/office/drawing/2014/main" id="{5847AFCD-907E-F34B-BF05-D8F4365E2FF0}"/>
+                </a:ext>
+              </a:extLst>
+            </p:cNvPr>
+            <p:cNvSpPr>
+              <a:spLocks noChangeAspect="1"/>
+            </p:cNvSpPr>
+            <p:nvPr/>
+          </p:nvSpPr>
+          <p:spPr>
+            <a:xfrm>
+              <a:off x="6117851" y="4781495"/>
+              <a:ext cx="1873342" cy="1873342"/>
+            </a:xfrm>
+            <a:prstGeom prst="rect">
+              <a:avLst/>
+            </a:prstGeom>
+            <a:noFill/>
+            <a:ln w="57150">
+              <a:solidFill>
+                <a:schemeClr val="tx1"/>
+              </a:solidFill>
+            </a:ln>
+          </p:spPr>
+          <p:style>
+            <a:lnRef idx="2">
+              <a:schemeClr val="accent1">
+                <a:shade val="50000"/>
+              </a:schemeClr>
+            </a:lnRef>
+            <a:fillRef idx="1">
+              <a:schemeClr val="accent1"/>
+            </a:fillRef>
+            <a:effectRef idx="0">
+              <a:schemeClr val="accent1"/>
+            </a:effectRef>
+            <a:fontRef idx="minor">
+              <a:schemeClr val="lt1"/>
+            </a:fontRef>
+          </p:style>
+          <p:txBody>
+            <a:bodyPr rtlCol="0" anchor="ctr"/>
+            <a:lstStyle/>
+            <a:p>
+              <a:pPr algn="ctr"/>
+              <a:endParaRPr lang="en-FR" sz="3600" dirty="0">
+                <a:solidFill>
+                  <a:schemeClr val="tx1"/>
+                </a:solidFill>
+              </a:endParaRPr>
+            </a:p>
+          </p:txBody>
+        </p:sp>
+      </p:grpSp>
+      <p:grpSp>
+        <p:nvGrpSpPr>
+          <p:cNvPr id="36" name="Group 35">
+            <a:extLst>
+              <a:ext uri="{FF2B5EF4-FFF2-40B4-BE49-F238E27FC236}">
+                <a16:creationId xmlns:a16="http://schemas.microsoft.com/office/drawing/2014/main" id="{09F9CF15-F38F-B04F-8E0A-A920FE07268F}"/>
+              </a:ext>
+            </a:extLst>
+          </p:cNvPr>
+          <p:cNvGrpSpPr/>
+          <p:nvPr/>
+        </p:nvGrpSpPr>
+        <p:grpSpPr>
+          <a:xfrm>
+            <a:off x="5600233" y="4658514"/>
+            <a:ext cx="1453370" cy="1500186"/>
+            <a:chOff x="3926792" y="2656504"/>
+            <a:chExt cx="1453370" cy="1500186"/>
+          </a:xfrm>
+        </p:grpSpPr>
+        <p:sp>
+          <p:nvSpPr>
+            <p:cNvPr id="37" name="Rectangle 36">
+              <a:extLst>
+                <a:ext uri="{FF2B5EF4-FFF2-40B4-BE49-F238E27FC236}">
+                  <a16:creationId xmlns:a16="http://schemas.microsoft.com/office/drawing/2014/main" id="{CFAC3FDD-E85E-974B-9696-8C943438C71D}"/>
+                </a:ext>
+              </a:extLst>
+            </p:cNvPr>
+            <p:cNvSpPr>
+              <a:spLocks noChangeAspect="1"/>
+            </p:cNvSpPr>
+            <p:nvPr/>
+          </p:nvSpPr>
+          <p:spPr>
+            <a:xfrm>
+              <a:off x="3926792" y="2656504"/>
+              <a:ext cx="1453370" cy="1500186"/>
+            </a:xfrm>
+            <a:prstGeom prst="rect">
+              <a:avLst/>
+            </a:prstGeom>
+            <a:noFill/>
+            <a:ln w="57150">
+              <a:solidFill>
+                <a:schemeClr val="tx1"/>
+              </a:solidFill>
+            </a:ln>
+          </p:spPr>
+          <p:style>
+            <a:lnRef idx="2">
+              <a:schemeClr val="accent1">
+                <a:shade val="50000"/>
+              </a:schemeClr>
+            </a:lnRef>
+            <a:fillRef idx="1">
+              <a:schemeClr val="accent1"/>
+            </a:fillRef>
+            <a:effectRef idx="0">
+              <a:schemeClr val="accent1"/>
+            </a:effectRef>
+            <a:fontRef idx="minor">
+              <a:schemeClr val="lt1"/>
+            </a:fontRef>
+          </p:style>
+          <p:txBody>
+            <a:bodyPr rtlCol="0" anchor="ctr"/>
+            <a:lstStyle/>
+            <a:p>
+              <a:pPr algn="ctr"/>
+              <a:endParaRPr lang="en-FR" sz="3600" dirty="0">
+                <a:solidFill>
+                  <a:schemeClr val="tx1"/>
+                </a:solidFill>
+              </a:endParaRPr>
+            </a:p>
+            <a:p>
+              <a:pPr algn="ctr"/>
+              <a:endParaRPr lang="en-FR" sz="3600" dirty="0">
+                <a:solidFill>
+                  <a:schemeClr val="tx1"/>
+                </a:solidFill>
+              </a:endParaRPr>
+            </a:p>
+          </p:txBody>
+        </p:sp>
+        <p:pic>
+          <p:nvPicPr>
+            <p:cNvPr id="38" name="Picture 2" descr="Web and Mobile App Development Company in India | Silicon ...">
+              <a:extLst>
+                <a:ext uri="{FF2B5EF4-FFF2-40B4-BE49-F238E27FC236}">
+                  <a16:creationId xmlns:a16="http://schemas.microsoft.com/office/drawing/2014/main" id="{2F97AB47-3ECB-A34A-84D3-26894D0D3FFD}"/>
+                </a:ext>
+              </a:extLst>
+            </p:cNvPr>
+            <p:cNvPicPr>
+              <a:picLocks noChangeAspect="1" noChangeArrowheads="1"/>
+            </p:cNvPicPr>
+            <p:nvPr/>
+          </p:nvPicPr>
+          <p:blipFill>
+            <a:blip r:embed="rId3">
+              <a:extLst>
+                <a:ext uri="{28A0092B-C50C-407E-A947-70E740481C1C}">
+                  <a14:useLocalDpi xmlns:a14="http://schemas.microsoft.com/office/drawing/2010/main" val="0"/>
+                </a:ext>
+              </a:extLst>
+            </a:blip>
+            <a:srcRect/>
+            <a:stretch>
+              <a:fillRect/>
+            </a:stretch>
+          </p:blipFill>
+          <p:spPr bwMode="auto">
+            <a:xfrm>
+              <a:off x="4099747" y="2835030"/>
+              <a:ext cx="1107459" cy="1143134"/>
+            </a:xfrm>
+            <a:prstGeom prst="rect">
+              <a:avLst/>
+            </a:prstGeom>
+            <a:noFill/>
+            <a:extLst>
+              <a:ext uri="{909E8E84-426E-40DD-AFC4-6F175D3DCCD1}">
+                <a14:hiddenFill xmlns:a14="http://schemas.microsoft.com/office/drawing/2010/main">
+                  <a:solidFill>
+                    <a:srgbClr val="FFFFFF"/>
+                  </a:solidFill>
+                </a14:hiddenFill>
+              </a:ext>
+            </a:extLst>
+          </p:spPr>
+        </p:pic>
+      </p:grpSp>
+      <p:grpSp>
+        <p:nvGrpSpPr>
+          <p:cNvPr id="44" name="Group 43">
+            <a:extLst>
+              <a:ext uri="{FF2B5EF4-FFF2-40B4-BE49-F238E27FC236}">
+                <a16:creationId xmlns:a16="http://schemas.microsoft.com/office/drawing/2014/main" id="{4FAD72CC-065B-C144-8BED-C1FB541673BF}"/>
+              </a:ext>
+            </a:extLst>
+          </p:cNvPr>
+          <p:cNvGrpSpPr/>
+          <p:nvPr/>
+        </p:nvGrpSpPr>
+        <p:grpSpPr>
+          <a:xfrm>
+            <a:off x="646411" y="2693633"/>
+            <a:ext cx="1453370" cy="1500187"/>
+            <a:chOff x="1506240" y="4254228"/>
+            <a:chExt cx="1453370" cy="1500187"/>
+          </a:xfrm>
+        </p:grpSpPr>
+        <p:sp>
+          <p:nvSpPr>
+            <p:cNvPr id="47" name="Rectangle 46">
+              <a:extLst>
+                <a:ext uri="{FF2B5EF4-FFF2-40B4-BE49-F238E27FC236}">
+                  <a16:creationId xmlns:a16="http://schemas.microsoft.com/office/drawing/2014/main" id="{29BD98F4-5827-3649-940F-F2E7078B3EF3}"/>
+                </a:ext>
+              </a:extLst>
+            </p:cNvPr>
+            <p:cNvSpPr>
+              <a:spLocks noChangeAspect="1"/>
+            </p:cNvSpPr>
+            <p:nvPr/>
+          </p:nvSpPr>
+          <p:spPr>
+            <a:xfrm>
+              <a:off x="1506240" y="4254228"/>
+              <a:ext cx="1453370" cy="1500187"/>
+            </a:xfrm>
+            <a:prstGeom prst="rect">
+              <a:avLst/>
+            </a:prstGeom>
+            <a:noFill/>
+            <a:ln w="57150">
+              <a:solidFill>
+                <a:schemeClr val="tx1"/>
+              </a:solidFill>
+            </a:ln>
+          </p:spPr>
+          <p:style>
+            <a:lnRef idx="2">
+              <a:schemeClr val="accent1">
+                <a:shade val="50000"/>
+              </a:schemeClr>
+            </a:lnRef>
+            <a:fillRef idx="1">
+              <a:schemeClr val="accent1"/>
+            </a:fillRef>
+            <a:effectRef idx="0">
+              <a:schemeClr val="accent1"/>
+            </a:effectRef>
+            <a:fontRef idx="minor">
+              <a:schemeClr val="lt1"/>
+            </a:fontRef>
+          </p:style>
+          <p:txBody>
+            <a:bodyPr rtlCol="0" anchor="ctr"/>
+            <a:lstStyle/>
+            <a:p>
+              <a:pPr algn="ctr"/>
+              <a:endParaRPr lang="en-FR" sz="3600" dirty="0">
+                <a:solidFill>
+                  <a:schemeClr val="tx1"/>
+                </a:solidFill>
+              </a:endParaRPr>
+            </a:p>
+          </p:txBody>
+        </p:sp>
+        <p:pic>
+          <p:nvPicPr>
+            <p:cNvPr id="1028" name="Picture 4" descr="PostgreSQL - Wikipedia, wolna encyklopedia">
+              <a:extLst>
+                <a:ext uri="{FF2B5EF4-FFF2-40B4-BE49-F238E27FC236}">
+                  <a16:creationId xmlns:a16="http://schemas.microsoft.com/office/drawing/2014/main" id="{45F812CD-5AE8-F449-AD90-0828E4B5B91C}"/>
+                </a:ext>
+              </a:extLst>
+            </p:cNvPr>
+            <p:cNvPicPr>
+              <a:picLocks noChangeAspect="1" noChangeArrowheads="1"/>
+            </p:cNvPicPr>
+            <p:nvPr/>
+          </p:nvPicPr>
+          <p:blipFill>
+            <a:blip r:embed="rId5">
+              <a:extLst>
+                <a:ext uri="{28A0092B-C50C-407E-A947-70E740481C1C}">
+                  <a14:useLocalDpi xmlns:a14="http://schemas.microsoft.com/office/drawing/2010/main" val="0"/>
+                </a:ext>
+              </a:extLst>
+            </a:blip>
+            <a:srcRect/>
+            <a:stretch>
+              <a:fillRect/>
+            </a:stretch>
+          </p:blipFill>
+          <p:spPr bwMode="auto">
+            <a:xfrm>
+              <a:off x="1679219" y="4432753"/>
+              <a:ext cx="1107412" cy="1143135"/>
+            </a:xfrm>
+            <a:prstGeom prst="rect">
+              <a:avLst/>
+            </a:prstGeom>
+            <a:noFill/>
+            <a:extLst>
+              <a:ext uri="{909E8E84-426E-40DD-AFC4-6F175D3DCCD1}">
+                <a14:hiddenFill xmlns:a14="http://schemas.microsoft.com/office/drawing/2010/main">
+                  <a:solidFill>
+                    <a:srgbClr val="FFFFFF"/>
+                  </a:solidFill>
+                </a14:hiddenFill>
+              </a:ext>
+            </a:extLst>
+          </p:spPr>
+        </p:pic>
+      </p:grpSp>
+      <p:grpSp>
+        <p:nvGrpSpPr>
+          <p:cNvPr id="48" name="Group 47">
+            <a:extLst>
+              <a:ext uri="{FF2B5EF4-FFF2-40B4-BE49-F238E27FC236}">
+                <a16:creationId xmlns:a16="http://schemas.microsoft.com/office/drawing/2014/main" id="{C4EA9F19-38D0-B147-8B19-35DEAC98E726}"/>
+              </a:ext>
+            </a:extLst>
+          </p:cNvPr>
+          <p:cNvGrpSpPr/>
+          <p:nvPr/>
+        </p:nvGrpSpPr>
+        <p:grpSpPr>
+          <a:xfrm>
+            <a:off x="646411" y="395356"/>
+            <a:ext cx="1453370" cy="1500187"/>
+            <a:chOff x="2473422" y="1039652"/>
+            <a:chExt cx="1453370" cy="1500187"/>
+          </a:xfrm>
+        </p:grpSpPr>
+        <p:pic>
+          <p:nvPicPr>
+            <p:cNvPr id="1030" name="Picture 6" descr="pgAdmin 4 — pgAdmin 4 4.25 documentation">
+              <a:extLst>
+                <a:ext uri="{FF2B5EF4-FFF2-40B4-BE49-F238E27FC236}">
+                  <a16:creationId xmlns:a16="http://schemas.microsoft.com/office/drawing/2014/main" id="{8A1BA3FD-5EFE-934F-BCB8-15645D07152B}"/>
+                </a:ext>
+              </a:extLst>
+            </p:cNvPr>
+            <p:cNvPicPr>
+              <a:picLocks noChangeAspect="1" noChangeArrowheads="1"/>
+            </p:cNvPicPr>
+            <p:nvPr/>
+          </p:nvPicPr>
+          <p:blipFill>
+            <a:blip r:embed="rId6">
+              <a:extLst>
+                <a:ext uri="{28A0092B-C50C-407E-A947-70E740481C1C}">
+                  <a14:useLocalDpi xmlns:a14="http://schemas.microsoft.com/office/drawing/2010/main" val="0"/>
+                </a:ext>
+              </a:extLst>
+            </a:blip>
+            <a:srcRect/>
+            <a:stretch>
+              <a:fillRect/>
+            </a:stretch>
+          </p:blipFill>
+          <p:spPr bwMode="auto">
+            <a:xfrm>
+              <a:off x="2599820" y="1175128"/>
+              <a:ext cx="1229235" cy="1229235"/>
+            </a:xfrm>
+            <a:prstGeom prst="rect">
+              <a:avLst/>
+            </a:prstGeom>
+            <a:noFill/>
+            <a:extLst>
+              <a:ext uri="{909E8E84-426E-40DD-AFC4-6F175D3DCCD1}">
+                <a14:hiddenFill xmlns:a14="http://schemas.microsoft.com/office/drawing/2010/main">
+                  <a:solidFill>
+                    <a:srgbClr val="FFFFFF"/>
+                  </a:solidFill>
+                </a14:hiddenFill>
+              </a:ext>
+            </a:extLst>
+          </p:spPr>
+        </p:pic>
+        <p:sp>
+          <p:nvSpPr>
+            <p:cNvPr id="52" name="Rectangle 51">
+              <a:extLst>
+                <a:ext uri="{FF2B5EF4-FFF2-40B4-BE49-F238E27FC236}">
+                  <a16:creationId xmlns:a16="http://schemas.microsoft.com/office/drawing/2014/main" id="{B48383BC-B8B5-8A4F-971E-8EA15CDAADF9}"/>
+                </a:ext>
+              </a:extLst>
+            </p:cNvPr>
+            <p:cNvSpPr>
+              <a:spLocks noChangeAspect="1"/>
+            </p:cNvSpPr>
+            <p:nvPr/>
+          </p:nvSpPr>
+          <p:spPr>
+            <a:xfrm>
+              <a:off x="2473422" y="1039652"/>
+              <a:ext cx="1453370" cy="1500187"/>
+            </a:xfrm>
+            <a:prstGeom prst="rect">
+              <a:avLst/>
+            </a:prstGeom>
+            <a:noFill/>
+            <a:ln w="57150">
+              <a:solidFill>
+                <a:schemeClr val="tx1"/>
+              </a:solidFill>
+            </a:ln>
+          </p:spPr>
+          <p:style>
+            <a:lnRef idx="2">
+              <a:schemeClr val="accent1">
+                <a:shade val="50000"/>
+              </a:schemeClr>
+            </a:lnRef>
+            <a:fillRef idx="1">
+              <a:schemeClr val="accent1"/>
+            </a:fillRef>
+            <a:effectRef idx="0">
+              <a:schemeClr val="accent1"/>
+            </a:effectRef>
+            <a:fontRef idx="minor">
+              <a:schemeClr val="lt1"/>
+            </a:fontRef>
+          </p:style>
+          <p:txBody>
+            <a:bodyPr rtlCol="0" anchor="ctr"/>
+            <a:lstStyle/>
+            <a:p>
+              <a:pPr algn="ctr"/>
+              <a:endParaRPr lang="en-FR" sz="3600" dirty="0">
+                <a:solidFill>
+                  <a:schemeClr val="tx1"/>
+                </a:solidFill>
+              </a:endParaRPr>
+            </a:p>
+          </p:txBody>
+        </p:sp>
+      </p:grpSp>
+      <p:grpSp>
+        <p:nvGrpSpPr>
+          <p:cNvPr id="49" name="Group 48">
+            <a:extLst>
+              <a:ext uri="{FF2B5EF4-FFF2-40B4-BE49-F238E27FC236}">
+                <a16:creationId xmlns:a16="http://schemas.microsoft.com/office/drawing/2014/main" id="{BBFB7730-8A16-9B41-B96C-A823D3E7706A}"/>
+              </a:ext>
+            </a:extLst>
+          </p:cNvPr>
+          <p:cNvGrpSpPr/>
+          <p:nvPr/>
+        </p:nvGrpSpPr>
+        <p:grpSpPr>
+          <a:xfrm>
+            <a:off x="8077144" y="2693633"/>
+            <a:ext cx="1453370" cy="1500187"/>
+            <a:chOff x="5926926" y="4571823"/>
+            <a:chExt cx="1453370" cy="1500187"/>
+          </a:xfrm>
+        </p:grpSpPr>
+        <p:pic>
+          <p:nvPicPr>
+            <p:cNvPr id="1032" name="Picture 8" descr="Upgrade Running Nginx on Amazon Linux - PTS: Technical ...">
+              <a:extLst>
+                <a:ext uri="{FF2B5EF4-FFF2-40B4-BE49-F238E27FC236}">
+                  <a16:creationId xmlns:a16="http://schemas.microsoft.com/office/drawing/2014/main" id="{AB81126B-1469-B146-9089-5F692EF1C923}"/>
+                </a:ext>
+              </a:extLst>
+            </p:cNvPr>
+            <p:cNvPicPr>
+              <a:picLocks noChangeAspect="1" noChangeArrowheads="1"/>
+            </p:cNvPicPr>
+            <p:nvPr/>
+          </p:nvPicPr>
+          <p:blipFill>
+            <a:blip r:embed="rId7">
+              <a:extLst>
+                <a:ext uri="{28A0092B-C50C-407E-A947-70E740481C1C}">
+                  <a14:useLocalDpi xmlns:a14="http://schemas.microsoft.com/office/drawing/2010/main" val="0"/>
+                </a:ext>
+              </a:extLst>
+            </a:blip>
+            <a:srcRect/>
+            <a:stretch>
+              <a:fillRect/>
+            </a:stretch>
+          </p:blipFill>
+          <p:spPr bwMode="auto">
+            <a:xfrm>
+              <a:off x="5965801" y="4634106"/>
+              <a:ext cx="1375620" cy="1375620"/>
+            </a:xfrm>
+            <a:prstGeom prst="rect">
+              <a:avLst/>
+            </a:prstGeom>
+            <a:noFill/>
+            <a:extLst>
+              <a:ext uri="{909E8E84-426E-40DD-AFC4-6F175D3DCCD1}">
+                <a14:hiddenFill xmlns:a14="http://schemas.microsoft.com/office/drawing/2010/main">
+                  <a:solidFill>
+                    <a:srgbClr val="FFFFFF"/>
+                  </a:solidFill>
+                </a14:hiddenFill>
+              </a:ext>
+            </a:extLst>
+          </p:spPr>
+        </p:pic>
+        <p:sp>
+          <p:nvSpPr>
+            <p:cNvPr id="57" name="Rectangle 56">
+              <a:extLst>
+                <a:ext uri="{FF2B5EF4-FFF2-40B4-BE49-F238E27FC236}">
+                  <a16:creationId xmlns:a16="http://schemas.microsoft.com/office/drawing/2014/main" id="{F127E176-E328-8F49-A563-96EECACA6F0E}"/>
+                </a:ext>
+              </a:extLst>
+            </p:cNvPr>
+            <p:cNvSpPr>
+              <a:spLocks noChangeAspect="1"/>
+            </p:cNvSpPr>
+            <p:nvPr/>
+          </p:nvSpPr>
+          <p:spPr>
+            <a:xfrm>
+              <a:off x="5926926" y="4571823"/>
+              <a:ext cx="1453370" cy="1500187"/>
+            </a:xfrm>
+            <a:prstGeom prst="rect">
+              <a:avLst/>
+            </a:prstGeom>
+            <a:noFill/>
+            <a:ln w="57150">
+              <a:solidFill>
+                <a:schemeClr val="tx1"/>
+              </a:solidFill>
+            </a:ln>
+          </p:spPr>
+          <p:style>
+            <a:lnRef idx="2">
+              <a:schemeClr val="accent1">
+                <a:shade val="50000"/>
+              </a:schemeClr>
+            </a:lnRef>
+            <a:fillRef idx="1">
+              <a:schemeClr val="accent1"/>
+            </a:fillRef>
+            <a:effectRef idx="0">
+              <a:schemeClr val="accent1"/>
+            </a:effectRef>
+            <a:fontRef idx="minor">
+              <a:schemeClr val="lt1"/>
+            </a:fontRef>
+          </p:style>
+          <p:txBody>
+            <a:bodyPr rtlCol="0" anchor="ctr"/>
+            <a:lstStyle/>
+            <a:p>
+              <a:pPr algn="ctr"/>
+              <a:endParaRPr lang="en-FR" sz="3600" dirty="0">
+                <a:solidFill>
+                  <a:schemeClr val="tx1"/>
+                </a:solidFill>
+              </a:endParaRPr>
+            </a:p>
+          </p:txBody>
+        </p:sp>
+      </p:grpSp>
+      <p:grpSp>
+        <p:nvGrpSpPr>
+          <p:cNvPr id="60" name="Group 59">
+            <a:extLst>
+              <a:ext uri="{FF2B5EF4-FFF2-40B4-BE49-F238E27FC236}">
+                <a16:creationId xmlns:a16="http://schemas.microsoft.com/office/drawing/2014/main" id="{BE34C0CD-4F4C-EE41-ACDB-A0DDA7A7D888}"/>
+              </a:ext>
+            </a:extLst>
+          </p:cNvPr>
+          <p:cNvGrpSpPr/>
+          <p:nvPr/>
+        </p:nvGrpSpPr>
+        <p:grpSpPr>
+          <a:xfrm>
+            <a:off x="8077144" y="4658514"/>
+            <a:ext cx="1453370" cy="1500187"/>
+            <a:chOff x="5926926" y="4571823"/>
+            <a:chExt cx="1453370" cy="1500187"/>
+          </a:xfrm>
+        </p:grpSpPr>
+        <p:pic>
+          <p:nvPicPr>
+            <p:cNvPr id="61" name="Picture 8" descr="Upgrade Running Nginx on Amazon Linux - PTS: Technical ...">
+              <a:extLst>
+                <a:ext uri="{FF2B5EF4-FFF2-40B4-BE49-F238E27FC236}">
+                  <a16:creationId xmlns:a16="http://schemas.microsoft.com/office/drawing/2014/main" id="{26187E73-1B50-D046-AFCC-9DFB60DE5386}"/>
+                </a:ext>
+              </a:extLst>
+            </p:cNvPr>
+            <p:cNvPicPr>
+              <a:picLocks noChangeAspect="1" noChangeArrowheads="1"/>
+            </p:cNvPicPr>
+            <p:nvPr/>
+          </p:nvPicPr>
+          <p:blipFill>
+            <a:blip r:embed="rId7">
+              <a:extLst>
+                <a:ext uri="{28A0092B-C50C-407E-A947-70E740481C1C}">
+                  <a14:useLocalDpi xmlns:a14="http://schemas.microsoft.com/office/drawing/2010/main" val="0"/>
+                </a:ext>
+              </a:extLst>
+            </a:blip>
+            <a:srcRect/>
+            <a:stretch>
+              <a:fillRect/>
+            </a:stretch>
+          </p:blipFill>
+          <p:spPr bwMode="auto">
+            <a:xfrm>
+              <a:off x="5965801" y="4634106"/>
+              <a:ext cx="1375620" cy="1375620"/>
+            </a:xfrm>
+            <a:prstGeom prst="rect">
+              <a:avLst/>
+            </a:prstGeom>
+            <a:noFill/>
+            <a:extLst>
+              <a:ext uri="{909E8E84-426E-40DD-AFC4-6F175D3DCCD1}">
+                <a14:hiddenFill xmlns:a14="http://schemas.microsoft.com/office/drawing/2010/main">
+                  <a:solidFill>
+                    <a:srgbClr val="FFFFFF"/>
+                  </a:solidFill>
+                </a14:hiddenFill>
+              </a:ext>
+            </a:extLst>
+          </p:spPr>
+        </p:pic>
+        <p:sp>
+          <p:nvSpPr>
+            <p:cNvPr id="62" name="Rectangle 61">
+              <a:extLst>
+                <a:ext uri="{FF2B5EF4-FFF2-40B4-BE49-F238E27FC236}">
+                  <a16:creationId xmlns:a16="http://schemas.microsoft.com/office/drawing/2014/main" id="{515BEF01-739B-794D-AACE-0241B772E608}"/>
+                </a:ext>
+              </a:extLst>
+            </p:cNvPr>
+            <p:cNvSpPr>
+              <a:spLocks noChangeAspect="1"/>
+            </p:cNvSpPr>
+            <p:nvPr/>
+          </p:nvSpPr>
+          <p:spPr>
+            <a:xfrm>
+              <a:off x="5926926" y="4571823"/>
+              <a:ext cx="1453370" cy="1500187"/>
+            </a:xfrm>
+            <a:prstGeom prst="rect">
+              <a:avLst/>
+            </a:prstGeom>
+            <a:noFill/>
+            <a:ln w="57150">
+              <a:solidFill>
+                <a:schemeClr val="tx1"/>
+              </a:solidFill>
+            </a:ln>
+          </p:spPr>
+          <p:style>
+            <a:lnRef idx="2">
+              <a:schemeClr val="accent1">
+                <a:shade val="50000"/>
+              </a:schemeClr>
+            </a:lnRef>
+            <a:fillRef idx="1">
+              <a:schemeClr val="accent1"/>
+            </a:fillRef>
+            <a:effectRef idx="0">
+              <a:schemeClr val="accent1"/>
+            </a:effectRef>
+            <a:fontRef idx="minor">
+              <a:schemeClr val="lt1"/>
+            </a:fontRef>
+          </p:style>
+          <p:txBody>
+            <a:bodyPr rtlCol="0" anchor="ctr"/>
+            <a:lstStyle/>
+            <a:p>
+              <a:pPr algn="ctr"/>
+              <a:endParaRPr lang="en-FR" sz="3600" dirty="0">
+                <a:solidFill>
+                  <a:schemeClr val="tx1"/>
+                </a:solidFill>
+              </a:endParaRPr>
+            </a:p>
+          </p:txBody>
+        </p:sp>
+      </p:grpSp>
+      <p:cxnSp>
+        <p:nvCxnSpPr>
+          <p:cNvPr id="65" name="Straight Arrow Connector 64">
+            <a:extLst>
+              <a:ext uri="{FF2B5EF4-FFF2-40B4-BE49-F238E27FC236}">
+                <a16:creationId xmlns:a16="http://schemas.microsoft.com/office/drawing/2014/main" id="{05DF7756-ECD7-364F-A1B0-931876F811D5}"/>
+              </a:ext>
+            </a:extLst>
+          </p:cNvPr>
+          <p:cNvCxnSpPr>
+            <a:cxnSpLocks/>
+            <a:stCxn id="47" idx="0"/>
+            <a:endCxn id="52" idx="2"/>
+          </p:cNvCxnSpPr>
+          <p:nvPr/>
+        </p:nvCxnSpPr>
+        <p:spPr>
+          <a:xfrm flipV="1">
+            <a:off x="1373096" y="1895543"/>
+            <a:ext cx="0" cy="798090"/>
+          </a:xfrm>
+          <a:prstGeom prst="straightConnector1">
+            <a:avLst/>
+          </a:prstGeom>
+          <a:ln w="76200">
+            <a:solidFill>
+              <a:schemeClr val="tx1"/>
+            </a:solidFill>
+            <a:headEnd type="triangle"/>
+            <a:tailEnd type="triangle"/>
+          </a:ln>
+        </p:spPr>
+        <p:style>
+          <a:lnRef idx="1">
+            <a:schemeClr val="accent1"/>
+          </a:lnRef>
+          <a:fillRef idx="0">
+            <a:schemeClr val="accent1"/>
+          </a:fillRef>
+          <a:effectRef idx="0">
+            <a:schemeClr val="accent1"/>
+          </a:effectRef>
+          <a:fontRef idx="minor">
+            <a:schemeClr val="tx1"/>
+          </a:fontRef>
+        </p:style>
+      </p:cxnSp>
+      <p:cxnSp>
+        <p:nvCxnSpPr>
+          <p:cNvPr id="74" name="Straight Arrow Connector 73">
+            <a:extLst>
+              <a:ext uri="{FF2B5EF4-FFF2-40B4-BE49-F238E27FC236}">
+                <a16:creationId xmlns:a16="http://schemas.microsoft.com/office/drawing/2014/main" id="{0E31E0B6-C5C9-1E4E-8ADD-0E697849F14D}"/>
+              </a:ext>
+            </a:extLst>
+          </p:cNvPr>
+          <p:cNvCxnSpPr>
+            <a:cxnSpLocks/>
+            <a:stCxn id="62" idx="3"/>
+            <a:endCxn id="14" idx="1"/>
+          </p:cNvCxnSpPr>
+          <p:nvPr/>
+        </p:nvCxnSpPr>
+        <p:spPr>
+          <a:xfrm flipV="1">
+            <a:off x="9530514" y="5408607"/>
+            <a:ext cx="926569" cy="1"/>
+          </a:xfrm>
+          <a:prstGeom prst="straightConnector1">
+            <a:avLst/>
+          </a:prstGeom>
+          <a:ln w="76200">
+            <a:solidFill>
+              <a:schemeClr val="tx1"/>
+            </a:solidFill>
+            <a:headEnd type="triangle"/>
+            <a:tailEnd type="triangle"/>
+          </a:ln>
+        </p:spPr>
+        <p:style>
+          <a:lnRef idx="1">
+            <a:schemeClr val="accent1"/>
+          </a:lnRef>
+          <a:fillRef idx="0">
+            <a:schemeClr val="accent1"/>
+          </a:fillRef>
+          <a:effectRef idx="0">
+            <a:schemeClr val="accent1"/>
+          </a:effectRef>
+          <a:fontRef idx="minor">
+            <a:schemeClr val="tx1"/>
+          </a:fontRef>
+        </p:style>
+      </p:cxnSp>
+      <p:cxnSp>
+        <p:nvCxnSpPr>
+          <p:cNvPr id="78" name="Straight Arrow Connector 77">
+            <a:extLst>
+              <a:ext uri="{FF2B5EF4-FFF2-40B4-BE49-F238E27FC236}">
+                <a16:creationId xmlns:a16="http://schemas.microsoft.com/office/drawing/2014/main" id="{8360AD2D-8866-DA42-B906-E022485C26E2}"/>
+              </a:ext>
+            </a:extLst>
+          </p:cNvPr>
+          <p:cNvCxnSpPr>
+            <a:cxnSpLocks/>
+            <a:stCxn id="28" idx="1"/>
+            <a:endCxn id="4" idx="3"/>
+          </p:cNvCxnSpPr>
+          <p:nvPr/>
+        </p:nvCxnSpPr>
+        <p:spPr>
+          <a:xfrm flipH="1" flipV="1">
+            <a:off x="4576692" y="3443726"/>
+            <a:ext cx="1023541" cy="1"/>
+          </a:xfrm>
+          <a:prstGeom prst="straightConnector1">
+            <a:avLst/>
+          </a:prstGeom>
+          <a:ln w="76200">
+            <a:solidFill>
+              <a:schemeClr val="tx1"/>
+            </a:solidFill>
+            <a:headEnd type="triangle"/>
+            <a:tailEnd type="triangle"/>
+          </a:ln>
+        </p:spPr>
+        <p:style>
+          <a:lnRef idx="1">
+            <a:schemeClr val="accent1"/>
+          </a:lnRef>
+          <a:fillRef idx="0">
+            <a:schemeClr val="accent1"/>
+          </a:fillRef>
+          <a:effectRef idx="0">
+            <a:schemeClr val="accent1"/>
+          </a:effectRef>
+          <a:fontRef idx="minor">
+            <a:schemeClr val="tx1"/>
+          </a:fontRef>
+        </p:style>
+      </p:cxnSp>
+      <p:cxnSp>
+        <p:nvCxnSpPr>
+          <p:cNvPr id="82" name="Straight Arrow Connector 81">
+            <a:extLst>
+              <a:ext uri="{FF2B5EF4-FFF2-40B4-BE49-F238E27FC236}">
+                <a16:creationId xmlns:a16="http://schemas.microsoft.com/office/drawing/2014/main" id="{EA57DDAD-E115-774A-9208-00B9088900E7}"/>
+              </a:ext>
+            </a:extLst>
+          </p:cNvPr>
+          <p:cNvCxnSpPr>
+            <a:cxnSpLocks/>
+            <a:stCxn id="28" idx="3"/>
+            <a:endCxn id="57" idx="1"/>
+          </p:cNvCxnSpPr>
+          <p:nvPr/>
+        </p:nvCxnSpPr>
+        <p:spPr>
+          <a:xfrm>
+            <a:off x="7053603" y="3443727"/>
+            <a:ext cx="1023541" cy="0"/>
+          </a:xfrm>
+          <a:prstGeom prst="straightConnector1">
+            <a:avLst/>
+          </a:prstGeom>
+          <a:ln w="76200">
+            <a:solidFill>
+              <a:schemeClr val="tx1"/>
+            </a:solidFill>
+            <a:headEnd type="triangle"/>
+            <a:tailEnd type="triangle"/>
+          </a:ln>
+        </p:spPr>
+        <p:style>
+          <a:lnRef idx="1">
+            <a:schemeClr val="accent1"/>
+          </a:lnRef>
+          <a:fillRef idx="0">
+            <a:schemeClr val="accent1"/>
+          </a:fillRef>
+          <a:effectRef idx="0">
+            <a:schemeClr val="accent1"/>
+          </a:effectRef>
+          <a:fontRef idx="minor">
+            <a:schemeClr val="tx1"/>
+          </a:fontRef>
+        </p:style>
+      </p:cxnSp>
       <p:pic>
         <p:nvPicPr>
-          <p:cNvPr id="15" name="Picture 2" descr="Web and Mobile App Development Company in India | Silicon ...">
-            <a:extLst>
-              <a:ext uri="{FF2B5EF4-FFF2-40B4-BE49-F238E27FC236}">
-                <a16:creationId xmlns:a16="http://schemas.microsoft.com/office/drawing/2014/main" id="{A373ECCC-F51B-F346-BA5B-E11A5F78E302}"/>
+          <p:cNvPr id="1034" name="Picture 10">
+            <a:extLst>
+              <a:ext uri="{FF2B5EF4-FFF2-40B4-BE49-F238E27FC236}">
+                <a16:creationId xmlns:a16="http://schemas.microsoft.com/office/drawing/2014/main" id="{1C54EE58-B864-4A4C-8D4D-55A852459A9B}"/>
               </a:ext>
             </a:extLst>
           </p:cNvPr>
@@ -3886,7 +4720,7 @@
           <p:nvPr/>
         </p:nvPicPr>
         <p:blipFill>
-          <a:blip r:embed="rId4">
+          <a:blip r:embed="rId8">
             <a:extLst>
               <a:ext uri="{28A0092B-C50C-407E-A947-70E740481C1C}">
                 <a14:useLocalDpi xmlns:a14="http://schemas.microsoft.com/office/drawing/2010/main" val="0"/>
@@ -3900,8 +4734,8 @@
         </p:blipFill>
         <p:spPr bwMode="auto">
           <a:xfrm>
-            <a:off x="6755796" y="3248528"/>
-            <a:ext cx="825500" cy="825500"/>
+            <a:off x="10509669" y="601796"/>
+            <a:ext cx="1087307" cy="1087307"/>
           </a:xfrm>
           <a:prstGeom prst="rect">
             <a:avLst/>
@@ -3918,12 +4752,56 @@
           </a:extLst>
         </p:spPr>
       </p:pic>
+      <p:cxnSp>
+        <p:nvCxnSpPr>
+          <p:cNvPr id="86" name="Straight Connector 85">
+            <a:extLst>
+              <a:ext uri="{FF2B5EF4-FFF2-40B4-BE49-F238E27FC236}">
+                <a16:creationId xmlns:a16="http://schemas.microsoft.com/office/drawing/2014/main" id="{646C737B-D56A-7542-BF11-1908E566B2DF}"/>
+              </a:ext>
+            </a:extLst>
+          </p:cNvPr>
+          <p:cNvCxnSpPr>
+            <a:cxnSpLocks/>
+          </p:cNvCxnSpPr>
+          <p:nvPr/>
+        </p:nvCxnSpPr>
+        <p:spPr>
+          <a:xfrm>
+            <a:off x="10069348" y="14726"/>
+            <a:ext cx="0" cy="6858000"/>
+          </a:xfrm>
+          <a:prstGeom prst="line">
+            <a:avLst/>
+          </a:prstGeom>
+          <a:ln w="38100">
+            <a:solidFill>
+              <a:schemeClr val="tx1"/>
+            </a:solidFill>
+            <a:prstDash val="dash"/>
+          </a:ln>
+        </p:spPr>
+        <p:style>
+          <a:lnRef idx="1">
+            <a:schemeClr val="accent1"/>
+          </a:lnRef>
+          <a:fillRef idx="0">
+            <a:schemeClr val="accent1"/>
+          </a:fillRef>
+          <a:effectRef idx="0">
+            <a:schemeClr val="accent1"/>
+          </a:effectRef>
+          <a:fontRef idx="minor">
+            <a:schemeClr val="tx1"/>
+          </a:fontRef>
+        </p:style>
+      </p:cxnSp>
       <p:pic>
         <p:nvPicPr>
-          <p:cNvPr id="16" name="Picture 2" descr="Web and Mobile App Development Company in India | Silicon ...">
-            <a:extLst>
-              <a:ext uri="{FF2B5EF4-FFF2-40B4-BE49-F238E27FC236}">
-                <a16:creationId xmlns:a16="http://schemas.microsoft.com/office/drawing/2014/main" id="{9FE6017E-7239-844C-AC87-55B362ADE2C5}"/>
+          <p:cNvPr id="1036" name="Picture 12" descr="Inspired by Actual Events: HTML5 Logo and WHATWG HTML Naming">
+            <a:extLst>
+              <a:ext uri="{FF2B5EF4-FFF2-40B4-BE49-F238E27FC236}">
+                <a16:creationId xmlns:a16="http://schemas.microsoft.com/office/drawing/2014/main" id="{3B3C872B-5CE5-7146-8B29-0EA40A3133DB}"/>
               </a:ext>
             </a:extLst>
           </p:cNvPr>
@@ -3933,7 +4811,7 @@
           <p:nvPr/>
         </p:nvPicPr>
         <p:blipFill>
-          <a:blip r:embed="rId4">
+          <a:blip r:embed="rId9">
             <a:extLst>
               <a:ext uri="{28A0092B-C50C-407E-A947-70E740481C1C}">
                 <a14:useLocalDpi xmlns:a14="http://schemas.microsoft.com/office/drawing/2010/main" val="0"/>
@@ -3947,8 +4825,8 @@
         </p:blipFill>
         <p:spPr bwMode="auto">
           <a:xfrm>
-            <a:off x="3909166" y="3248528"/>
-            <a:ext cx="825500" cy="825500"/>
+            <a:off x="10554054" y="2944458"/>
+            <a:ext cx="998537" cy="998537"/>
           </a:xfrm>
           <a:prstGeom prst="rect">
             <a:avLst/>
@@ -3965,136 +4843,53 @@
           </a:extLst>
         </p:spPr>
       </p:pic>
-      <p:sp>
-        <p:nvSpPr>
-          <p:cNvPr id="19" name="TextBox 18">
-            <a:extLst>
-              <a:ext uri="{FF2B5EF4-FFF2-40B4-BE49-F238E27FC236}">
-                <a16:creationId xmlns:a16="http://schemas.microsoft.com/office/drawing/2014/main" id="{3916EAA1-05E7-6F46-BE00-05FDED3C1014}"/>
-              </a:ext>
-            </a:extLst>
-          </p:cNvPr>
-          <p:cNvSpPr txBox="1"/>
+      <p:cxnSp>
+        <p:nvCxnSpPr>
+          <p:cNvPr id="106" name="Straight Arrow Connector 105">
+            <a:extLst>
+              <a:ext uri="{FF2B5EF4-FFF2-40B4-BE49-F238E27FC236}">
+                <a16:creationId xmlns:a16="http://schemas.microsoft.com/office/drawing/2014/main" id="{7AC90D42-8C0E-D44A-AA4D-A8ACBD13959D}"/>
+              </a:ext>
+            </a:extLst>
+          </p:cNvPr>
+          <p:cNvCxnSpPr>
+            <a:cxnSpLocks/>
+            <a:stCxn id="57" idx="3"/>
+            <a:endCxn id="1036" idx="1"/>
+          </p:cNvCxnSpPr>
           <p:nvPr/>
-        </p:nvSpPr>
+        </p:nvCxnSpPr>
         <p:spPr>
           <a:xfrm>
-            <a:off x="8194098" y="2655835"/>
-            <a:ext cx="1030410" cy="646331"/>
+            <a:off x="9530514" y="3443727"/>
+            <a:ext cx="1023540" cy="0"/>
           </a:xfrm>
-          <a:prstGeom prst="rect">
+          <a:prstGeom prst="straightConnector1">
             <a:avLst/>
           </a:prstGeom>
-          <a:noFill/>
+          <a:ln w="76200">
+            <a:solidFill>
+              <a:schemeClr val="tx1"/>
+            </a:solidFill>
+            <a:headEnd type="triangle"/>
+            <a:tailEnd type="triangle"/>
+          </a:ln>
         </p:spPr>
-        <p:txBody>
-          <a:bodyPr wrap="none" rtlCol="0">
-            <a:spAutoFit/>
-          </a:bodyPr>
-          <a:lstStyle/>
-          <a:p>
-            <a:pPr algn="ctr"/>
-            <a:r>
-              <a:rPr lang="fr-FR" dirty="0"/>
-              <a:t>HTTP</a:t>
-            </a:r>
-          </a:p>
-          <a:p>
-            <a:pPr algn="ctr"/>
-            <a:r>
-              <a:rPr lang="en-GB" dirty="0"/>
-              <a:t>S</a:t>
-            </a:r>
-            <a:r>
-              <a:rPr lang="en-FR" dirty="0"/>
-              <a:t>ocket.io</a:t>
-            </a:r>
-          </a:p>
-        </p:txBody>
-      </p:sp>
-      <p:sp>
-        <p:nvSpPr>
-          <p:cNvPr id="20" name="TextBox 19">
-            <a:extLst>
-              <a:ext uri="{FF2B5EF4-FFF2-40B4-BE49-F238E27FC236}">
-                <a16:creationId xmlns:a16="http://schemas.microsoft.com/office/drawing/2014/main" id="{AF6C1F6B-AD16-BC49-85C0-CFABF3908F8F}"/>
-              </a:ext>
-            </a:extLst>
-          </p:cNvPr>
-          <p:cNvSpPr txBox="1"/>
-          <p:nvPr/>
-        </p:nvSpPr>
-        <p:spPr>
-          <a:xfrm>
-            <a:off x="5407670" y="3021299"/>
-            <a:ext cx="675121" cy="369332"/>
-          </a:xfrm>
-          <a:prstGeom prst="rect">
-            <a:avLst/>
-          </a:prstGeom>
-          <a:noFill/>
-        </p:spPr>
-        <p:txBody>
-          <a:bodyPr wrap="none" rtlCol="0">
-            <a:spAutoFit/>
-          </a:bodyPr>
-          <a:lstStyle/>
-          <a:p>
-            <a:r>
-              <a:rPr lang="fr-FR" dirty="0"/>
-              <a:t>HTTP</a:t>
-            </a:r>
-            <a:endParaRPr lang="en-FR" dirty="0"/>
-          </a:p>
-        </p:txBody>
-      </p:sp>
-      <p:pic>
-        <p:nvPicPr>
-          <p:cNvPr id="21" name="Picture 2" descr="JSON Editor - Apps on Google Play">
-            <a:extLst>
-              <a:ext uri="{FF2B5EF4-FFF2-40B4-BE49-F238E27FC236}">
-                <a16:creationId xmlns:a16="http://schemas.microsoft.com/office/drawing/2014/main" id="{AFA9CE14-62EE-C94C-873C-4FBC3C01E2F2}"/>
-              </a:ext>
-            </a:extLst>
-          </p:cNvPr>
-          <p:cNvPicPr>
-            <a:picLocks noChangeAspect="1" noChangeArrowheads="1"/>
-          </p:cNvPicPr>
-          <p:nvPr/>
-        </p:nvPicPr>
-        <p:blipFill>
-          <a:blip r:embed="rId5">
-            <a:extLst>
-              <a:ext uri="{28A0092B-C50C-407E-A947-70E740481C1C}">
-                <a14:useLocalDpi xmlns:a14="http://schemas.microsoft.com/office/drawing/2010/main" val="0"/>
-              </a:ext>
-            </a:extLst>
-          </a:blip>
-          <a:srcRect/>
-          <a:stretch>
-            <a:fillRect/>
-          </a:stretch>
-        </p:blipFill>
-        <p:spPr bwMode="auto">
-          <a:xfrm>
-            <a:off x="2642713" y="2855826"/>
-            <a:ext cx="511776" cy="511776"/>
-          </a:xfrm>
-          <a:prstGeom prst="rect">
-            <a:avLst/>
-          </a:prstGeom>
-          <a:noFill/>
-          <a:extLst>
-            <a:ext uri="{909E8E84-426E-40DD-AFC4-6F175D3DCCD1}">
-              <a14:hiddenFill xmlns:a14="http://schemas.microsoft.com/office/drawing/2010/main">
-                <a:solidFill>
-                  <a:srgbClr val="FFFFFF"/>
-                </a:solidFill>
-              </a14:hiddenFill>
-            </a:ext>
-          </a:extLst>
-        </p:spPr>
-      </p:pic>
+        <p:style>
+          <a:lnRef idx="1">
+            <a:schemeClr val="accent1"/>
+          </a:lnRef>
+          <a:fillRef idx="0">
+            <a:schemeClr val="accent1"/>
+          </a:fillRef>
+          <a:effectRef idx="0">
+            <a:schemeClr val="accent1"/>
+          </a:effectRef>
+          <a:fontRef idx="minor">
+            <a:schemeClr val="tx1"/>
+          </a:fontRef>
+        </p:style>
+      </p:cxnSp>
     </p:spTree>
     <p:extLst>
       <p:ext uri="{BB962C8B-B14F-4D97-AF65-F5344CB8AC3E}">

--- a/docs/pptx/architecture.pptx
+++ b/docs/pptx/architecture.pptx
@@ -7,6 +7,7 @@
   <p:sldIdLst>
     <p:sldId id="256" r:id="rId2"/>
     <p:sldId id="257" r:id="rId3"/>
+    <p:sldId id="258" r:id="rId4"/>
   </p:sldIdLst>
   <p:sldSz cx="12192000" cy="6858000"/>
   <p:notesSz cx="6858000" cy="9144000"/>
@@ -262,7 +263,7 @@
           <a:p>
             <a:fld id="{F26DBA4E-226E-6244-85C4-517D6981A2D5}" type="datetimeFigureOut">
               <a:rPr lang="en-FR" smtClean="0"/>
-              <a:t>21/01/2021</a:t>
+              <a:t>21/03/2021</a:t>
             </a:fld>
             <a:endParaRPr lang="en-FR"/>
           </a:p>
@@ -462,7 +463,7 @@
           <a:p>
             <a:fld id="{F26DBA4E-226E-6244-85C4-517D6981A2D5}" type="datetimeFigureOut">
               <a:rPr lang="en-FR" smtClean="0"/>
-              <a:t>21/01/2021</a:t>
+              <a:t>21/03/2021</a:t>
             </a:fld>
             <a:endParaRPr lang="en-FR"/>
           </a:p>
@@ -672,7 +673,7 @@
           <a:p>
             <a:fld id="{F26DBA4E-226E-6244-85C4-517D6981A2D5}" type="datetimeFigureOut">
               <a:rPr lang="en-FR" smtClean="0"/>
-              <a:t>21/01/2021</a:t>
+              <a:t>21/03/2021</a:t>
             </a:fld>
             <a:endParaRPr lang="en-FR"/>
           </a:p>
@@ -872,7 +873,7 @@
           <a:p>
             <a:fld id="{F26DBA4E-226E-6244-85C4-517D6981A2D5}" type="datetimeFigureOut">
               <a:rPr lang="en-FR" smtClean="0"/>
-              <a:t>21/01/2021</a:t>
+              <a:t>21/03/2021</a:t>
             </a:fld>
             <a:endParaRPr lang="en-FR"/>
           </a:p>
@@ -1148,7 +1149,7 @@
           <a:p>
             <a:fld id="{F26DBA4E-226E-6244-85C4-517D6981A2D5}" type="datetimeFigureOut">
               <a:rPr lang="en-FR" smtClean="0"/>
-              <a:t>21/01/2021</a:t>
+              <a:t>21/03/2021</a:t>
             </a:fld>
             <a:endParaRPr lang="en-FR"/>
           </a:p>
@@ -1416,7 +1417,7 @@
           <a:p>
             <a:fld id="{F26DBA4E-226E-6244-85C4-517D6981A2D5}" type="datetimeFigureOut">
               <a:rPr lang="en-FR" smtClean="0"/>
-              <a:t>21/01/2021</a:t>
+              <a:t>21/03/2021</a:t>
             </a:fld>
             <a:endParaRPr lang="en-FR"/>
           </a:p>
@@ -1831,7 +1832,7 @@
           <a:p>
             <a:fld id="{F26DBA4E-226E-6244-85C4-517D6981A2D5}" type="datetimeFigureOut">
               <a:rPr lang="en-FR" smtClean="0"/>
-              <a:t>21/01/2021</a:t>
+              <a:t>21/03/2021</a:t>
             </a:fld>
             <a:endParaRPr lang="en-FR"/>
           </a:p>
@@ -1973,7 +1974,7 @@
           <a:p>
             <a:fld id="{F26DBA4E-226E-6244-85C4-517D6981A2D5}" type="datetimeFigureOut">
               <a:rPr lang="en-FR" smtClean="0"/>
-              <a:t>21/01/2021</a:t>
+              <a:t>21/03/2021</a:t>
             </a:fld>
             <a:endParaRPr lang="en-FR"/>
           </a:p>
@@ -2086,7 +2087,7 @@
           <a:p>
             <a:fld id="{F26DBA4E-226E-6244-85C4-517D6981A2D5}" type="datetimeFigureOut">
               <a:rPr lang="en-FR" smtClean="0"/>
-              <a:t>21/01/2021</a:t>
+              <a:t>21/03/2021</a:t>
             </a:fld>
             <a:endParaRPr lang="en-FR"/>
           </a:p>
@@ -2399,7 +2400,7 @@
           <a:p>
             <a:fld id="{F26DBA4E-226E-6244-85C4-517D6981A2D5}" type="datetimeFigureOut">
               <a:rPr lang="en-FR" smtClean="0"/>
-              <a:t>21/01/2021</a:t>
+              <a:t>21/03/2021</a:t>
             </a:fld>
             <a:endParaRPr lang="en-FR"/>
           </a:p>
@@ -2688,7 +2689,7 @@
           <a:p>
             <a:fld id="{F26DBA4E-226E-6244-85C4-517D6981A2D5}" type="datetimeFigureOut">
               <a:rPr lang="en-FR" smtClean="0"/>
-              <a:t>21/01/2021</a:t>
+              <a:t>21/03/2021</a:t>
             </a:fld>
             <a:endParaRPr lang="en-FR"/>
           </a:p>
@@ -2931,7 +2932,7 @@
           <a:p>
             <a:fld id="{F26DBA4E-226E-6244-85C4-517D6981A2D5}" type="datetimeFigureOut">
               <a:rPr lang="en-FR" smtClean="0"/>
-              <a:t>21/01/2021</a:t>
+              <a:t>21/03/2021</a:t>
             </a:fld>
             <a:endParaRPr lang="en-FR"/>
           </a:p>
@@ -3448,103 +3449,9 @@
           <p:nvPr/>
         </p:nvCxnSpPr>
         <p:spPr>
-          <a:xfrm flipV="1">
-            <a:off x="2099781" y="3443726"/>
-            <a:ext cx="1023541" cy="1"/>
-          </a:xfrm>
-          <a:prstGeom prst="straightConnector1">
-            <a:avLst/>
-          </a:prstGeom>
-          <a:ln w="76200">
-            <a:solidFill>
-              <a:schemeClr val="tx1"/>
-            </a:solidFill>
-            <a:headEnd type="triangle"/>
-            <a:tailEnd type="triangle"/>
-          </a:ln>
-        </p:spPr>
-        <p:style>
-          <a:lnRef idx="1">
-            <a:schemeClr val="accent1"/>
-          </a:lnRef>
-          <a:fillRef idx="0">
-            <a:schemeClr val="accent1"/>
-          </a:fillRef>
-          <a:effectRef idx="0">
-            <a:schemeClr val="accent1"/>
-          </a:effectRef>
-          <a:fontRef idx="minor">
-            <a:schemeClr val="tx1"/>
-          </a:fontRef>
-        </p:style>
-      </p:cxnSp>
-      <p:cxnSp>
-        <p:nvCxnSpPr>
-          <p:cNvPr id="9" name="Straight Arrow Connector 8">
-            <a:extLst>
-              <a:ext uri="{FF2B5EF4-FFF2-40B4-BE49-F238E27FC236}">
-                <a16:creationId xmlns:a16="http://schemas.microsoft.com/office/drawing/2014/main" id="{6FE2D79C-CA1A-B242-A4AD-B98A79B1C340}"/>
-              </a:ext>
-            </a:extLst>
-          </p:cNvPr>
-          <p:cNvCxnSpPr>
-            <a:cxnSpLocks/>
-            <a:stCxn id="4" idx="2"/>
-            <a:endCxn id="37" idx="1"/>
-          </p:cNvCxnSpPr>
-          <p:nvPr/>
-        </p:nvCxnSpPr>
-        <p:spPr>
           <a:xfrm>
-            <a:off x="3850007" y="4193819"/>
-            <a:ext cx="1750226" cy="1214788"/>
-          </a:xfrm>
-          <a:prstGeom prst="straightConnector1">
-            <a:avLst/>
-          </a:prstGeom>
-          <a:ln w="76200">
-            <a:solidFill>
-              <a:schemeClr val="tx1"/>
-            </a:solidFill>
-            <a:headEnd type="triangle"/>
-            <a:tailEnd type="triangle"/>
-          </a:ln>
-        </p:spPr>
-        <p:style>
-          <a:lnRef idx="1">
-            <a:schemeClr val="accent1"/>
-          </a:lnRef>
-          <a:fillRef idx="0">
-            <a:schemeClr val="accent1"/>
-          </a:fillRef>
-          <a:effectRef idx="0">
-            <a:schemeClr val="accent1"/>
-          </a:effectRef>
-          <a:fontRef idx="minor">
-            <a:schemeClr val="tx1"/>
-          </a:fontRef>
-        </p:style>
-      </p:cxnSp>
-      <p:cxnSp>
-        <p:nvCxnSpPr>
-          <p:cNvPr id="10" name="Straight Arrow Connector 9">
-            <a:extLst>
-              <a:ext uri="{FF2B5EF4-FFF2-40B4-BE49-F238E27FC236}">
-                <a16:creationId xmlns:a16="http://schemas.microsoft.com/office/drawing/2014/main" id="{7E0E940C-3D3F-4A4E-96F9-AB8E2BE57F09}"/>
-              </a:ext>
-            </a:extLst>
-          </p:cNvPr>
-          <p:cNvCxnSpPr>
-            <a:cxnSpLocks/>
-            <a:stCxn id="37" idx="3"/>
-            <a:endCxn id="62" idx="1"/>
-          </p:cNvCxnSpPr>
-          <p:nvPr/>
-        </p:nvCxnSpPr>
-        <p:spPr>
-          <a:xfrm>
-            <a:off x="7053603" y="5408607"/>
-            <a:ext cx="1023541" cy="1"/>
+            <a:off x="2099781" y="3443727"/>
+            <a:ext cx="1265895" cy="9809"/>
           </a:xfrm>
           <a:prstGeom prst="straightConnector1">
             <a:avLst/>
@@ -3601,7 +3508,7 @@
         </p:blipFill>
         <p:spPr bwMode="auto">
           <a:xfrm>
-            <a:off x="10457083" y="4747777"/>
+            <a:off x="10448549" y="4279916"/>
             <a:ext cx="1296802" cy="1321660"/>
           </a:xfrm>
           <a:prstGeom prst="rect">
@@ -3633,7 +3540,7 @@
         </p:nvGrpSpPr>
         <p:grpSpPr>
           <a:xfrm>
-            <a:off x="3123322" y="2693633"/>
+            <a:off x="3365676" y="2703443"/>
             <a:ext cx="1453370" cy="1500186"/>
             <a:chOff x="3926792" y="2656504"/>
             <a:chExt cx="1453370" cy="1500186"/>
@@ -3767,7 +3674,7 @@
         </p:nvGrpSpPr>
         <p:grpSpPr>
           <a:xfrm>
-            <a:off x="5600233" y="2693633"/>
+            <a:off x="5600234" y="1203256"/>
             <a:ext cx="1453370" cy="1500187"/>
             <a:chOff x="6117851" y="4781495"/>
             <a:chExt cx="1873342" cy="1873342"/>
@@ -3878,140 +3785,6 @@
             </a:p>
           </p:txBody>
         </p:sp>
-      </p:grpSp>
-      <p:grpSp>
-        <p:nvGrpSpPr>
-          <p:cNvPr id="36" name="Group 35">
-            <a:extLst>
-              <a:ext uri="{FF2B5EF4-FFF2-40B4-BE49-F238E27FC236}">
-                <a16:creationId xmlns:a16="http://schemas.microsoft.com/office/drawing/2014/main" id="{09F9CF15-F38F-B04F-8E0A-A920FE07268F}"/>
-              </a:ext>
-            </a:extLst>
-          </p:cNvPr>
-          <p:cNvGrpSpPr/>
-          <p:nvPr/>
-        </p:nvGrpSpPr>
-        <p:grpSpPr>
-          <a:xfrm>
-            <a:off x="5600233" y="4658514"/>
-            <a:ext cx="1453370" cy="1500186"/>
-            <a:chOff x="3926792" y="2656504"/>
-            <a:chExt cx="1453370" cy="1500186"/>
-          </a:xfrm>
-        </p:grpSpPr>
-        <p:sp>
-          <p:nvSpPr>
-            <p:cNvPr id="37" name="Rectangle 36">
-              <a:extLst>
-                <a:ext uri="{FF2B5EF4-FFF2-40B4-BE49-F238E27FC236}">
-                  <a16:creationId xmlns:a16="http://schemas.microsoft.com/office/drawing/2014/main" id="{CFAC3FDD-E85E-974B-9696-8C943438C71D}"/>
-                </a:ext>
-              </a:extLst>
-            </p:cNvPr>
-            <p:cNvSpPr>
-              <a:spLocks noChangeAspect="1"/>
-            </p:cNvSpPr>
-            <p:nvPr/>
-          </p:nvSpPr>
-          <p:spPr>
-            <a:xfrm>
-              <a:off x="3926792" y="2656504"/>
-              <a:ext cx="1453370" cy="1500186"/>
-            </a:xfrm>
-            <a:prstGeom prst="rect">
-              <a:avLst/>
-            </a:prstGeom>
-            <a:noFill/>
-            <a:ln w="57150">
-              <a:solidFill>
-                <a:schemeClr val="tx1"/>
-              </a:solidFill>
-            </a:ln>
-          </p:spPr>
-          <p:style>
-            <a:lnRef idx="2">
-              <a:schemeClr val="accent1">
-                <a:shade val="50000"/>
-              </a:schemeClr>
-            </a:lnRef>
-            <a:fillRef idx="1">
-              <a:schemeClr val="accent1"/>
-            </a:fillRef>
-            <a:effectRef idx="0">
-              <a:schemeClr val="accent1"/>
-            </a:effectRef>
-            <a:fontRef idx="minor">
-              <a:schemeClr val="lt1"/>
-            </a:fontRef>
-          </p:style>
-          <p:txBody>
-            <a:bodyPr rtlCol="0" anchor="ctr"/>
-            <a:lstStyle/>
-            <a:p>
-              <a:pPr algn="ctr"/>
-              <a:endParaRPr lang="en-FR" sz="3600" dirty="0">
-                <a:solidFill>
-                  <a:schemeClr val="tx1"/>
-                </a:solidFill>
-              </a:endParaRPr>
-            </a:p>
-            <a:p>
-              <a:pPr algn="ctr"/>
-              <a:endParaRPr lang="en-FR" sz="3600" dirty="0">
-                <a:solidFill>
-                  <a:schemeClr val="tx1"/>
-                </a:solidFill>
-              </a:endParaRPr>
-            </a:p>
-          </p:txBody>
-        </p:sp>
-        <p:pic>
-          <p:nvPicPr>
-            <p:cNvPr id="38" name="Picture 2" descr="Web and Mobile App Development Company in India | Silicon ...">
-              <a:extLst>
-                <a:ext uri="{FF2B5EF4-FFF2-40B4-BE49-F238E27FC236}">
-                  <a16:creationId xmlns:a16="http://schemas.microsoft.com/office/drawing/2014/main" id="{2F97AB47-3ECB-A34A-84D3-26894D0D3FFD}"/>
-                </a:ext>
-              </a:extLst>
-            </p:cNvPr>
-            <p:cNvPicPr>
-              <a:picLocks noChangeAspect="1" noChangeArrowheads="1"/>
-            </p:cNvPicPr>
-            <p:nvPr/>
-          </p:nvPicPr>
-          <p:blipFill>
-            <a:blip r:embed="rId3">
-              <a:extLst>
-                <a:ext uri="{28A0092B-C50C-407E-A947-70E740481C1C}">
-                  <a14:useLocalDpi xmlns:a14="http://schemas.microsoft.com/office/drawing/2010/main" val="0"/>
-                </a:ext>
-              </a:extLst>
-            </a:blip>
-            <a:srcRect/>
-            <a:stretch>
-              <a:fillRect/>
-            </a:stretch>
-          </p:blipFill>
-          <p:spPr bwMode="auto">
-            <a:xfrm>
-              <a:off x="4099747" y="2835030"/>
-              <a:ext cx="1107459" cy="1143134"/>
-            </a:xfrm>
-            <a:prstGeom prst="rect">
-              <a:avLst/>
-            </a:prstGeom>
-            <a:noFill/>
-            <a:extLst>
-              <a:ext uri="{909E8E84-426E-40DD-AFC4-6F175D3DCCD1}">
-                <a14:hiddenFill xmlns:a14="http://schemas.microsoft.com/office/drawing/2010/main">
-                  <a:solidFill>
-                    <a:srgbClr val="FFFFFF"/>
-                  </a:solidFill>
-                </a14:hiddenFill>
-              </a:ext>
-            </a:extLst>
-          </p:spPr>
-        </p:pic>
       </p:grpSp>
       <p:grpSp>
         <p:nvGrpSpPr>
@@ -4391,12 +4164,755 @@
           </p:txBody>
         </p:sp>
       </p:grpSp>
+      <p:cxnSp>
+        <p:nvCxnSpPr>
+          <p:cNvPr id="65" name="Straight Arrow Connector 64">
+            <a:extLst>
+              <a:ext uri="{FF2B5EF4-FFF2-40B4-BE49-F238E27FC236}">
+                <a16:creationId xmlns:a16="http://schemas.microsoft.com/office/drawing/2014/main" id="{05DF7756-ECD7-364F-A1B0-931876F811D5}"/>
+              </a:ext>
+            </a:extLst>
+          </p:cNvPr>
+          <p:cNvCxnSpPr>
+            <a:cxnSpLocks/>
+            <a:stCxn id="47" idx="0"/>
+            <a:endCxn id="52" idx="2"/>
+          </p:cNvCxnSpPr>
+          <p:nvPr/>
+        </p:nvCxnSpPr>
+        <p:spPr>
+          <a:xfrm flipV="1">
+            <a:off x="1373096" y="1895543"/>
+            <a:ext cx="0" cy="798090"/>
+          </a:xfrm>
+          <a:prstGeom prst="straightConnector1">
+            <a:avLst/>
+          </a:prstGeom>
+          <a:ln w="76200">
+            <a:solidFill>
+              <a:schemeClr val="tx1"/>
+            </a:solidFill>
+            <a:headEnd type="triangle"/>
+            <a:tailEnd type="triangle"/>
+          </a:ln>
+        </p:spPr>
+        <p:style>
+          <a:lnRef idx="1">
+            <a:schemeClr val="accent1"/>
+          </a:lnRef>
+          <a:fillRef idx="0">
+            <a:schemeClr val="accent1"/>
+          </a:fillRef>
+          <a:effectRef idx="0">
+            <a:schemeClr val="accent1"/>
+          </a:effectRef>
+          <a:fontRef idx="minor">
+            <a:schemeClr val="tx1"/>
+          </a:fontRef>
+        </p:style>
+      </p:cxnSp>
+      <p:cxnSp>
+        <p:nvCxnSpPr>
+          <p:cNvPr id="74" name="Straight Arrow Connector 73">
+            <a:extLst>
+              <a:ext uri="{FF2B5EF4-FFF2-40B4-BE49-F238E27FC236}">
+                <a16:creationId xmlns:a16="http://schemas.microsoft.com/office/drawing/2014/main" id="{0E31E0B6-C5C9-1E4E-8ADD-0E697849F14D}"/>
+              </a:ext>
+            </a:extLst>
+          </p:cNvPr>
+          <p:cNvCxnSpPr>
+            <a:cxnSpLocks/>
+            <a:stCxn id="45" idx="3"/>
+            <a:endCxn id="14" idx="1"/>
+          </p:cNvCxnSpPr>
+          <p:nvPr/>
+        </p:nvCxnSpPr>
+        <p:spPr>
+          <a:xfrm>
+            <a:off x="9491639" y="4940746"/>
+            <a:ext cx="956910" cy="0"/>
+          </a:xfrm>
+          <a:prstGeom prst="straightConnector1">
+            <a:avLst/>
+          </a:prstGeom>
+          <a:ln w="76200">
+            <a:solidFill>
+              <a:schemeClr val="tx1"/>
+            </a:solidFill>
+            <a:headEnd type="triangle"/>
+            <a:tailEnd type="triangle"/>
+          </a:ln>
+        </p:spPr>
+        <p:style>
+          <a:lnRef idx="1">
+            <a:schemeClr val="accent1"/>
+          </a:lnRef>
+          <a:fillRef idx="0">
+            <a:schemeClr val="accent1"/>
+          </a:fillRef>
+          <a:effectRef idx="0">
+            <a:schemeClr val="accent1"/>
+          </a:effectRef>
+          <a:fontRef idx="minor">
+            <a:schemeClr val="tx1"/>
+          </a:fontRef>
+        </p:style>
+      </p:cxnSp>
+      <p:cxnSp>
+        <p:nvCxnSpPr>
+          <p:cNvPr id="78" name="Straight Arrow Connector 77">
+            <a:extLst>
+              <a:ext uri="{FF2B5EF4-FFF2-40B4-BE49-F238E27FC236}">
+                <a16:creationId xmlns:a16="http://schemas.microsoft.com/office/drawing/2014/main" id="{8360AD2D-8866-DA42-B906-E022485C26E2}"/>
+              </a:ext>
+            </a:extLst>
+          </p:cNvPr>
+          <p:cNvCxnSpPr>
+            <a:cxnSpLocks/>
+            <a:stCxn id="28" idx="1"/>
+            <a:endCxn id="4" idx="3"/>
+          </p:cNvCxnSpPr>
+          <p:nvPr/>
+        </p:nvCxnSpPr>
+        <p:spPr>
+          <a:xfrm flipH="1">
+            <a:off x="4819046" y="1953350"/>
+            <a:ext cx="781188" cy="1500186"/>
+          </a:xfrm>
+          <a:prstGeom prst="straightConnector1">
+            <a:avLst/>
+          </a:prstGeom>
+          <a:ln w="76200">
+            <a:solidFill>
+              <a:schemeClr val="tx1"/>
+            </a:solidFill>
+            <a:headEnd type="triangle"/>
+            <a:tailEnd type="triangle"/>
+          </a:ln>
+        </p:spPr>
+        <p:style>
+          <a:lnRef idx="1">
+            <a:schemeClr val="accent1"/>
+          </a:lnRef>
+          <a:fillRef idx="0">
+            <a:schemeClr val="accent1"/>
+          </a:fillRef>
+          <a:effectRef idx="0">
+            <a:schemeClr val="accent1"/>
+          </a:effectRef>
+          <a:fontRef idx="minor">
+            <a:schemeClr val="tx1"/>
+          </a:fontRef>
+        </p:style>
+      </p:cxnSp>
+      <p:cxnSp>
+        <p:nvCxnSpPr>
+          <p:cNvPr id="82" name="Straight Arrow Connector 81">
+            <a:extLst>
+              <a:ext uri="{FF2B5EF4-FFF2-40B4-BE49-F238E27FC236}">
+                <a16:creationId xmlns:a16="http://schemas.microsoft.com/office/drawing/2014/main" id="{EA57DDAD-E115-774A-9208-00B9088900E7}"/>
+              </a:ext>
+            </a:extLst>
+          </p:cNvPr>
+          <p:cNvCxnSpPr>
+            <a:cxnSpLocks/>
+            <a:stCxn id="28" idx="3"/>
+          </p:cNvCxnSpPr>
+          <p:nvPr/>
+        </p:nvCxnSpPr>
+        <p:spPr>
+          <a:xfrm>
+            <a:off x="7053604" y="1953350"/>
+            <a:ext cx="1014810" cy="0"/>
+          </a:xfrm>
+          <a:prstGeom prst="straightConnector1">
+            <a:avLst/>
+          </a:prstGeom>
+          <a:ln w="76200">
+            <a:solidFill>
+              <a:schemeClr val="tx1"/>
+            </a:solidFill>
+            <a:headEnd type="triangle"/>
+            <a:tailEnd type="triangle"/>
+          </a:ln>
+        </p:spPr>
+        <p:style>
+          <a:lnRef idx="1">
+            <a:schemeClr val="accent1"/>
+          </a:lnRef>
+          <a:fillRef idx="0">
+            <a:schemeClr val="accent1"/>
+          </a:fillRef>
+          <a:effectRef idx="0">
+            <a:schemeClr val="accent1"/>
+          </a:effectRef>
+          <a:fontRef idx="minor">
+            <a:schemeClr val="tx1"/>
+          </a:fontRef>
+        </p:style>
+      </p:cxnSp>
+      <p:pic>
+        <p:nvPicPr>
+          <p:cNvPr id="1034" name="Picture 10">
+            <a:extLst>
+              <a:ext uri="{FF2B5EF4-FFF2-40B4-BE49-F238E27FC236}">
+                <a16:creationId xmlns:a16="http://schemas.microsoft.com/office/drawing/2014/main" id="{1C54EE58-B864-4A4C-8D4D-55A852459A9B}"/>
+              </a:ext>
+            </a:extLst>
+          </p:cNvPr>
+          <p:cNvPicPr>
+            <a:picLocks noChangeAspect="1" noChangeArrowheads="1"/>
+          </p:cNvPicPr>
+          <p:nvPr/>
+        </p:nvPicPr>
+        <p:blipFill>
+          <a:blip r:embed="rId8">
+            <a:extLst>
+              <a:ext uri="{28A0092B-C50C-407E-A947-70E740481C1C}">
+                <a14:useLocalDpi xmlns:a14="http://schemas.microsoft.com/office/drawing/2010/main" val="0"/>
+              </a:ext>
+            </a:extLst>
+          </a:blip>
+          <a:srcRect/>
+          <a:stretch>
+            <a:fillRect/>
+          </a:stretch>
+        </p:blipFill>
+        <p:spPr bwMode="auto">
+          <a:xfrm>
+            <a:off x="10726136" y="151484"/>
+            <a:ext cx="758696" cy="758696"/>
+          </a:xfrm>
+          <a:prstGeom prst="rect">
+            <a:avLst/>
+          </a:prstGeom>
+          <a:noFill/>
+          <a:extLst>
+            <a:ext uri="{909E8E84-426E-40DD-AFC4-6F175D3DCCD1}">
+              <a14:hiddenFill xmlns:a14="http://schemas.microsoft.com/office/drawing/2010/main">
+                <a:solidFill>
+                  <a:srgbClr val="FFFFFF"/>
+                </a:solidFill>
+              </a14:hiddenFill>
+            </a:ext>
+          </a:extLst>
+        </p:spPr>
+      </p:pic>
+      <p:cxnSp>
+        <p:nvCxnSpPr>
+          <p:cNvPr id="86" name="Straight Connector 85">
+            <a:extLst>
+              <a:ext uri="{FF2B5EF4-FFF2-40B4-BE49-F238E27FC236}">
+                <a16:creationId xmlns:a16="http://schemas.microsoft.com/office/drawing/2014/main" id="{646C737B-D56A-7542-BF11-1908E566B2DF}"/>
+              </a:ext>
+            </a:extLst>
+          </p:cNvPr>
+          <p:cNvCxnSpPr>
+            <a:cxnSpLocks/>
+          </p:cNvCxnSpPr>
+          <p:nvPr/>
+        </p:nvCxnSpPr>
+        <p:spPr>
+          <a:xfrm>
+            <a:off x="10069348" y="14726"/>
+            <a:ext cx="0" cy="6858000"/>
+          </a:xfrm>
+          <a:prstGeom prst="line">
+            <a:avLst/>
+          </a:prstGeom>
+          <a:ln w="38100">
+            <a:solidFill>
+              <a:schemeClr val="tx1"/>
+            </a:solidFill>
+            <a:prstDash val="dash"/>
+          </a:ln>
+        </p:spPr>
+        <p:style>
+          <a:lnRef idx="1">
+            <a:schemeClr val="accent1"/>
+          </a:lnRef>
+          <a:fillRef idx="0">
+            <a:schemeClr val="accent1"/>
+          </a:fillRef>
+          <a:effectRef idx="0">
+            <a:schemeClr val="accent1"/>
+          </a:effectRef>
+          <a:fontRef idx="minor">
+            <a:schemeClr val="tx1"/>
+          </a:fontRef>
+        </p:style>
+      </p:cxnSp>
+      <p:pic>
+        <p:nvPicPr>
+          <p:cNvPr id="1036" name="Picture 12" descr="Inspired by Actual Events: HTML5 Logo and WHATWG HTML Naming">
+            <a:extLst>
+              <a:ext uri="{FF2B5EF4-FFF2-40B4-BE49-F238E27FC236}">
+                <a16:creationId xmlns:a16="http://schemas.microsoft.com/office/drawing/2014/main" id="{3B3C872B-5CE5-7146-8B29-0EA40A3133DB}"/>
+              </a:ext>
+            </a:extLst>
+          </p:cNvPr>
+          <p:cNvPicPr>
+            <a:picLocks noChangeAspect="1" noChangeArrowheads="1"/>
+          </p:cNvPicPr>
+          <p:nvPr/>
+        </p:nvPicPr>
+        <p:blipFill>
+          <a:blip r:embed="rId9">
+            <a:extLst>
+              <a:ext uri="{28A0092B-C50C-407E-A947-70E740481C1C}">
+                <a14:useLocalDpi xmlns:a14="http://schemas.microsoft.com/office/drawing/2010/main" val="0"/>
+              </a:ext>
+            </a:extLst>
+          </a:blip>
+          <a:srcRect/>
+          <a:stretch>
+            <a:fillRect/>
+          </a:stretch>
+        </p:blipFill>
+        <p:spPr bwMode="auto">
+          <a:xfrm>
+            <a:off x="10726136" y="1572725"/>
+            <a:ext cx="741628" cy="741628"/>
+          </a:xfrm>
+          <a:prstGeom prst="rect">
+            <a:avLst/>
+          </a:prstGeom>
+          <a:noFill/>
+          <a:extLst>
+            <a:ext uri="{909E8E84-426E-40DD-AFC4-6F175D3DCCD1}">
+              <a14:hiddenFill xmlns:a14="http://schemas.microsoft.com/office/drawing/2010/main">
+                <a:solidFill>
+                  <a:srgbClr val="FFFFFF"/>
+                </a:solidFill>
+              </a14:hiddenFill>
+            </a:ext>
+          </a:extLst>
+        </p:spPr>
+      </p:pic>
+      <p:cxnSp>
+        <p:nvCxnSpPr>
+          <p:cNvPr id="106" name="Straight Arrow Connector 105">
+            <a:extLst>
+              <a:ext uri="{FF2B5EF4-FFF2-40B4-BE49-F238E27FC236}">
+                <a16:creationId xmlns:a16="http://schemas.microsoft.com/office/drawing/2014/main" id="{7AC90D42-8C0E-D44A-AA4D-A8ACBD13959D}"/>
+              </a:ext>
+            </a:extLst>
+          </p:cNvPr>
+          <p:cNvCxnSpPr>
+            <a:cxnSpLocks/>
+            <a:stCxn id="46" idx="3"/>
+            <a:endCxn id="1036" idx="1"/>
+          </p:cNvCxnSpPr>
+          <p:nvPr/>
+        </p:nvCxnSpPr>
+        <p:spPr>
+          <a:xfrm>
+            <a:off x="9491639" y="1943539"/>
+            <a:ext cx="1234497" cy="0"/>
+          </a:xfrm>
+          <a:prstGeom prst="straightConnector1">
+            <a:avLst/>
+          </a:prstGeom>
+          <a:ln w="76200">
+            <a:solidFill>
+              <a:schemeClr val="tx1"/>
+            </a:solidFill>
+            <a:headEnd type="triangle"/>
+            <a:tailEnd type="triangle"/>
+          </a:ln>
+        </p:spPr>
+        <p:style>
+          <a:lnRef idx="1">
+            <a:schemeClr val="accent1"/>
+          </a:lnRef>
+          <a:fillRef idx="0">
+            <a:schemeClr val="accent1"/>
+          </a:fillRef>
+          <a:effectRef idx="0">
+            <a:schemeClr val="accent1"/>
+          </a:effectRef>
+          <a:fontRef idx="minor">
+            <a:schemeClr val="tx1"/>
+          </a:fontRef>
+        </p:style>
+      </p:cxnSp>
+      <p:sp>
+        <p:nvSpPr>
+          <p:cNvPr id="39" name="Rectangle 38">
+            <a:extLst>
+              <a:ext uri="{FF2B5EF4-FFF2-40B4-BE49-F238E27FC236}">
+                <a16:creationId xmlns:a16="http://schemas.microsoft.com/office/drawing/2014/main" id="{DB5CC7A9-1B86-AC46-B742-DF66E2F25E79}"/>
+              </a:ext>
+            </a:extLst>
+          </p:cNvPr>
+          <p:cNvSpPr>
+            <a:spLocks noChangeAspect="1"/>
+          </p:cNvSpPr>
+          <p:nvPr/>
+        </p:nvSpPr>
+        <p:spPr>
+          <a:xfrm>
+            <a:off x="8077144" y="1199776"/>
+            <a:ext cx="1453370" cy="4487897"/>
+          </a:xfrm>
+          <a:prstGeom prst="rect">
+            <a:avLst/>
+          </a:prstGeom>
+          <a:noFill/>
+          <a:ln w="57150">
+            <a:solidFill>
+              <a:schemeClr val="tx1"/>
+            </a:solidFill>
+            <a:prstDash val="dash"/>
+          </a:ln>
+        </p:spPr>
+        <p:style>
+          <a:lnRef idx="2">
+            <a:schemeClr val="accent1">
+              <a:shade val="50000"/>
+            </a:schemeClr>
+          </a:lnRef>
+          <a:fillRef idx="1">
+            <a:schemeClr val="accent1"/>
+          </a:fillRef>
+          <a:effectRef idx="0">
+            <a:schemeClr val="accent1"/>
+          </a:effectRef>
+          <a:fontRef idx="minor">
+            <a:schemeClr val="lt1"/>
+          </a:fontRef>
+        </p:style>
+        <p:txBody>
+          <a:bodyPr rtlCol="0" anchor="ctr"/>
+          <a:lstStyle/>
+          <a:p>
+            <a:pPr algn="ctr"/>
+            <a:endParaRPr lang="en-FR" sz="3600" dirty="0">
+              <a:solidFill>
+                <a:schemeClr val="tx1"/>
+              </a:solidFill>
+            </a:endParaRPr>
+          </a:p>
+        </p:txBody>
+      </p:sp>
+      <p:pic>
+        <p:nvPicPr>
+          <p:cNvPr id="45" name="Picture 8" descr="Upgrade Running Nginx on Amazon Linux - PTS: Technical ...">
+            <a:extLst>
+              <a:ext uri="{FF2B5EF4-FFF2-40B4-BE49-F238E27FC236}">
+                <a16:creationId xmlns:a16="http://schemas.microsoft.com/office/drawing/2014/main" id="{86AD3A9F-FAF4-5F42-8755-D9B29E61D156}"/>
+              </a:ext>
+            </a:extLst>
+          </p:cNvPr>
+          <p:cNvPicPr>
+            <a:picLocks noChangeAspect="1" noChangeArrowheads="1"/>
+          </p:cNvPicPr>
+          <p:nvPr/>
+        </p:nvPicPr>
+        <p:blipFill>
+          <a:blip r:embed="rId7">
+            <a:extLst>
+              <a:ext uri="{28A0092B-C50C-407E-A947-70E740481C1C}">
+                <a14:useLocalDpi xmlns:a14="http://schemas.microsoft.com/office/drawing/2010/main" val="0"/>
+              </a:ext>
+            </a:extLst>
+          </a:blip>
+          <a:srcRect/>
+          <a:stretch>
+            <a:fillRect/>
+          </a:stretch>
+        </p:blipFill>
+        <p:spPr bwMode="auto">
+          <a:xfrm>
+            <a:off x="8116019" y="4252936"/>
+            <a:ext cx="1375620" cy="1375620"/>
+          </a:xfrm>
+          <a:prstGeom prst="rect">
+            <a:avLst/>
+          </a:prstGeom>
+          <a:noFill/>
+          <a:extLst>
+            <a:ext uri="{909E8E84-426E-40DD-AFC4-6F175D3DCCD1}">
+              <a14:hiddenFill xmlns:a14="http://schemas.microsoft.com/office/drawing/2010/main">
+                <a:solidFill>
+                  <a:srgbClr val="FFFFFF"/>
+                </a:solidFill>
+              </a14:hiddenFill>
+            </a:ext>
+          </a:extLst>
+        </p:spPr>
+      </p:pic>
+      <p:pic>
+        <p:nvPicPr>
+          <p:cNvPr id="46" name="Picture 8" descr="Upgrade Running Nginx on Amazon Linux - PTS: Technical ...">
+            <a:extLst>
+              <a:ext uri="{FF2B5EF4-FFF2-40B4-BE49-F238E27FC236}">
+                <a16:creationId xmlns:a16="http://schemas.microsoft.com/office/drawing/2014/main" id="{21BFE414-3976-CD45-ACB8-663926D69CAE}"/>
+              </a:ext>
+            </a:extLst>
+          </p:cNvPr>
+          <p:cNvPicPr>
+            <a:picLocks noChangeAspect="1" noChangeArrowheads="1"/>
+          </p:cNvPicPr>
+          <p:nvPr/>
+        </p:nvPicPr>
+        <p:blipFill>
+          <a:blip r:embed="rId7">
+            <a:extLst>
+              <a:ext uri="{28A0092B-C50C-407E-A947-70E740481C1C}">
+                <a14:useLocalDpi xmlns:a14="http://schemas.microsoft.com/office/drawing/2010/main" val="0"/>
+              </a:ext>
+            </a:extLst>
+          </a:blip>
+          <a:srcRect/>
+          <a:stretch>
+            <a:fillRect/>
+          </a:stretch>
+        </p:blipFill>
+        <p:spPr bwMode="auto">
+          <a:xfrm>
+            <a:off x="8116019" y="1255729"/>
+            <a:ext cx="1375620" cy="1375620"/>
+          </a:xfrm>
+          <a:prstGeom prst="rect">
+            <a:avLst/>
+          </a:prstGeom>
+          <a:noFill/>
+          <a:extLst>
+            <a:ext uri="{909E8E84-426E-40DD-AFC4-6F175D3DCCD1}">
+              <a14:hiddenFill xmlns:a14="http://schemas.microsoft.com/office/drawing/2010/main">
+                <a:solidFill>
+                  <a:srgbClr val="FFFFFF"/>
+                </a:solidFill>
+              </a14:hiddenFill>
+            </a:ext>
+          </a:extLst>
+        </p:spPr>
+      </p:pic>
+      <p:cxnSp>
+        <p:nvCxnSpPr>
+          <p:cNvPr id="64" name="Straight Arrow Connector 63">
+            <a:extLst>
+              <a:ext uri="{FF2B5EF4-FFF2-40B4-BE49-F238E27FC236}">
+                <a16:creationId xmlns:a16="http://schemas.microsoft.com/office/drawing/2014/main" id="{18B48A51-DD57-CA4F-9E5E-70AC20A8033B}"/>
+              </a:ext>
+            </a:extLst>
+          </p:cNvPr>
+          <p:cNvCxnSpPr>
+            <a:cxnSpLocks/>
+            <a:stCxn id="39" idx="3"/>
+            <a:endCxn id="14" idx="1"/>
+          </p:cNvCxnSpPr>
+          <p:nvPr/>
+        </p:nvCxnSpPr>
+        <p:spPr>
+          <a:xfrm>
+            <a:off x="9530514" y="3443725"/>
+            <a:ext cx="918035" cy="1497021"/>
+          </a:xfrm>
+          <a:prstGeom prst="straightConnector1">
+            <a:avLst/>
+          </a:prstGeom>
+          <a:ln w="38100">
+            <a:solidFill>
+              <a:schemeClr val="tx1"/>
+            </a:solidFill>
+            <a:headEnd type="triangle"/>
+            <a:tailEnd type="triangle"/>
+          </a:ln>
+        </p:spPr>
+        <p:style>
+          <a:lnRef idx="1">
+            <a:schemeClr val="accent1"/>
+          </a:lnRef>
+          <a:fillRef idx="0">
+            <a:schemeClr val="accent1"/>
+          </a:fillRef>
+          <a:effectRef idx="0">
+            <a:schemeClr val="accent1"/>
+          </a:effectRef>
+          <a:fontRef idx="minor">
+            <a:schemeClr val="tx1"/>
+          </a:fontRef>
+        </p:style>
+      </p:cxnSp>
+      <p:cxnSp>
+        <p:nvCxnSpPr>
+          <p:cNvPr id="66" name="Straight Arrow Connector 65">
+            <a:extLst>
+              <a:ext uri="{FF2B5EF4-FFF2-40B4-BE49-F238E27FC236}">
+                <a16:creationId xmlns:a16="http://schemas.microsoft.com/office/drawing/2014/main" id="{B9044552-6F0A-014D-A506-2485FD24A1F6}"/>
+              </a:ext>
+            </a:extLst>
+          </p:cNvPr>
+          <p:cNvCxnSpPr>
+            <a:cxnSpLocks/>
+            <a:stCxn id="39" idx="1"/>
+            <a:endCxn id="4" idx="3"/>
+          </p:cNvCxnSpPr>
+          <p:nvPr/>
+        </p:nvCxnSpPr>
+        <p:spPr>
+          <a:xfrm flipH="1">
+            <a:off x="4819046" y="3443725"/>
+            <a:ext cx="3258098" cy="9811"/>
+          </a:xfrm>
+          <a:prstGeom prst="straightConnector1">
+            <a:avLst/>
+          </a:prstGeom>
+          <a:ln w="76200">
+            <a:solidFill>
+              <a:schemeClr val="tx1"/>
+            </a:solidFill>
+            <a:headEnd type="triangle"/>
+            <a:tailEnd type="triangle"/>
+          </a:ln>
+        </p:spPr>
+        <p:style>
+          <a:lnRef idx="1">
+            <a:schemeClr val="accent1"/>
+          </a:lnRef>
+          <a:fillRef idx="0">
+            <a:schemeClr val="accent1"/>
+          </a:fillRef>
+          <a:effectRef idx="0">
+            <a:schemeClr val="accent1"/>
+          </a:effectRef>
+          <a:fontRef idx="minor">
+            <a:schemeClr val="tx1"/>
+          </a:fontRef>
+        </p:style>
+      </p:cxnSp>
+    </p:spTree>
+    <p:extLst>
+      <p:ext uri="{BB962C8B-B14F-4D97-AF65-F5344CB8AC3E}">
+        <p14:creationId xmlns:p14="http://schemas.microsoft.com/office/powerpoint/2010/main" val="1555432743"/>
+      </p:ext>
+    </p:extLst>
+  </p:cSld>
+  <p:clrMapOvr>
+    <a:masterClrMapping/>
+  </p:clrMapOvr>
+</p:sld>
+</file>
+
+<file path=ppt/slides/slide3.xml><?xml version="1.0" encoding="utf-8"?>
+<p:sld xmlns:a="http://schemas.openxmlformats.org/drawingml/2006/main" xmlns:r="http://schemas.openxmlformats.org/officeDocument/2006/relationships" xmlns:p="http://schemas.openxmlformats.org/presentationml/2006/main">
+  <p:cSld>
+    <p:spTree>
+      <p:nvGrpSpPr>
+        <p:cNvPr id="1" name=""/>
+        <p:cNvGrpSpPr/>
+        <p:nvPr/>
+      </p:nvGrpSpPr>
+      <p:grpSpPr>
+        <a:xfrm>
+          <a:off x="0" y="0"/>
+          <a:ext cx="0" cy="0"/>
+          <a:chOff x="0" y="0"/>
+          <a:chExt cx="0" cy="0"/>
+        </a:xfrm>
+      </p:grpSpPr>
+      <p:cxnSp>
+        <p:nvCxnSpPr>
+          <p:cNvPr id="8" name="Straight Arrow Connector 7">
+            <a:extLst>
+              <a:ext uri="{FF2B5EF4-FFF2-40B4-BE49-F238E27FC236}">
+                <a16:creationId xmlns:a16="http://schemas.microsoft.com/office/drawing/2014/main" id="{59E08B20-864D-8D40-BD42-FFFF7F1846D1}"/>
+              </a:ext>
+            </a:extLst>
+          </p:cNvPr>
+          <p:cNvCxnSpPr>
+            <a:cxnSpLocks/>
+            <a:stCxn id="47" idx="3"/>
+            <a:endCxn id="4" idx="1"/>
+          </p:cNvCxnSpPr>
+          <p:nvPr/>
+        </p:nvCxnSpPr>
+        <p:spPr>
+          <a:xfrm>
+            <a:off x="2099781" y="3443727"/>
+            <a:ext cx="1265895" cy="9809"/>
+          </a:xfrm>
+          <a:prstGeom prst="straightConnector1">
+            <a:avLst/>
+          </a:prstGeom>
+          <a:ln w="76200">
+            <a:solidFill>
+              <a:schemeClr val="tx1"/>
+            </a:solidFill>
+            <a:headEnd type="triangle"/>
+            <a:tailEnd type="triangle"/>
+          </a:ln>
+        </p:spPr>
+        <p:style>
+          <a:lnRef idx="1">
+            <a:schemeClr val="accent1"/>
+          </a:lnRef>
+          <a:fillRef idx="0">
+            <a:schemeClr val="accent1"/>
+          </a:fillRef>
+          <a:effectRef idx="0">
+            <a:schemeClr val="accent1"/>
+          </a:effectRef>
+          <a:fontRef idx="minor">
+            <a:schemeClr val="tx1"/>
+          </a:fontRef>
+        </p:style>
+      </p:cxnSp>
+      <p:pic>
+        <p:nvPicPr>
+          <p:cNvPr id="14" name="Picture 2" descr="Video-React - React Video Component">
+            <a:extLst>
+              <a:ext uri="{FF2B5EF4-FFF2-40B4-BE49-F238E27FC236}">
+                <a16:creationId xmlns:a16="http://schemas.microsoft.com/office/drawing/2014/main" id="{6C1435C4-A4D6-434F-871C-9E3D9CCF2F79}"/>
+              </a:ext>
+            </a:extLst>
+          </p:cNvPr>
+          <p:cNvPicPr>
+            <a:picLocks noChangeAspect="1" noChangeArrowheads="1"/>
+          </p:cNvPicPr>
+          <p:nvPr/>
+        </p:nvPicPr>
+        <p:blipFill>
+          <a:blip r:embed="rId2">
+            <a:extLst>
+              <a:ext uri="{28A0092B-C50C-407E-A947-70E740481C1C}">
+                <a14:useLocalDpi xmlns:a14="http://schemas.microsoft.com/office/drawing/2010/main" val="0"/>
+              </a:ext>
+            </a:extLst>
+          </a:blip>
+          <a:srcRect/>
+          <a:stretch>
+            <a:fillRect/>
+          </a:stretch>
+        </p:blipFill>
+        <p:spPr bwMode="auto">
+          <a:xfrm>
+            <a:off x="10448549" y="4279916"/>
+            <a:ext cx="1296802" cy="1321660"/>
+          </a:xfrm>
+          <a:prstGeom prst="rect">
+            <a:avLst/>
+          </a:prstGeom>
+          <a:noFill/>
+          <a:extLst>
+            <a:ext uri="{909E8E84-426E-40DD-AFC4-6F175D3DCCD1}">
+              <a14:hiddenFill xmlns:a14="http://schemas.microsoft.com/office/drawing/2010/main">
+                <a:solidFill>
+                  <a:srgbClr val="FFFFFF"/>
+                </a:solidFill>
+              </a14:hiddenFill>
+            </a:ext>
+          </a:extLst>
+        </p:spPr>
+      </p:pic>
       <p:grpSp>
         <p:nvGrpSpPr>
-          <p:cNvPr id="60" name="Group 59">
-            <a:extLst>
-              <a:ext uri="{FF2B5EF4-FFF2-40B4-BE49-F238E27FC236}">
-                <a16:creationId xmlns:a16="http://schemas.microsoft.com/office/drawing/2014/main" id="{BE34C0CD-4F4C-EE41-ACDB-A0DDA7A7D888}"/>
+          <p:cNvPr id="34" name="Group 33">
+            <a:extLst>
+              <a:ext uri="{FF2B5EF4-FFF2-40B4-BE49-F238E27FC236}">
+                <a16:creationId xmlns:a16="http://schemas.microsoft.com/office/drawing/2014/main" id="{059813D0-BD6F-A145-A5CC-E683402767DC}"/>
               </a:ext>
             </a:extLst>
           </p:cNvPr>
@@ -4405,7 +4921,519 @@
         </p:nvGrpSpPr>
         <p:grpSpPr>
           <a:xfrm>
-            <a:off x="8077144" y="4658514"/>
+            <a:off x="3365676" y="2703443"/>
+            <a:ext cx="1453370" cy="1500186"/>
+            <a:chOff x="3926792" y="2656504"/>
+            <a:chExt cx="1453370" cy="1500186"/>
+          </a:xfrm>
+        </p:grpSpPr>
+        <p:sp>
+          <p:nvSpPr>
+            <p:cNvPr id="4" name="Rectangle 3">
+              <a:extLst>
+                <a:ext uri="{FF2B5EF4-FFF2-40B4-BE49-F238E27FC236}">
+                  <a16:creationId xmlns:a16="http://schemas.microsoft.com/office/drawing/2014/main" id="{7A2C1209-2588-A647-AE68-A592B1E9439D}"/>
+                </a:ext>
+              </a:extLst>
+            </p:cNvPr>
+            <p:cNvSpPr>
+              <a:spLocks noChangeAspect="1"/>
+            </p:cNvSpPr>
+            <p:nvPr/>
+          </p:nvSpPr>
+          <p:spPr>
+            <a:xfrm>
+              <a:off x="3926792" y="2656504"/>
+              <a:ext cx="1453370" cy="1500186"/>
+            </a:xfrm>
+            <a:prstGeom prst="rect">
+              <a:avLst/>
+            </a:prstGeom>
+            <a:noFill/>
+            <a:ln w="57150">
+              <a:solidFill>
+                <a:schemeClr val="tx1"/>
+              </a:solidFill>
+            </a:ln>
+          </p:spPr>
+          <p:style>
+            <a:lnRef idx="2">
+              <a:schemeClr val="accent1">
+                <a:shade val="50000"/>
+              </a:schemeClr>
+            </a:lnRef>
+            <a:fillRef idx="1">
+              <a:schemeClr val="accent1"/>
+            </a:fillRef>
+            <a:effectRef idx="0">
+              <a:schemeClr val="accent1"/>
+            </a:effectRef>
+            <a:fontRef idx="minor">
+              <a:schemeClr val="lt1"/>
+            </a:fontRef>
+          </p:style>
+          <p:txBody>
+            <a:bodyPr rtlCol="0" anchor="ctr"/>
+            <a:lstStyle/>
+            <a:p>
+              <a:pPr algn="ctr"/>
+              <a:endParaRPr lang="en-FR" sz="3600" dirty="0">
+                <a:solidFill>
+                  <a:schemeClr val="tx1"/>
+                </a:solidFill>
+              </a:endParaRPr>
+            </a:p>
+            <a:p>
+              <a:pPr algn="ctr"/>
+              <a:endParaRPr lang="en-FR" sz="3600" dirty="0">
+                <a:solidFill>
+                  <a:schemeClr val="tx1"/>
+                </a:solidFill>
+              </a:endParaRPr>
+            </a:p>
+          </p:txBody>
+        </p:sp>
+        <p:pic>
+          <p:nvPicPr>
+            <p:cNvPr id="17" name="Picture 2" descr="Web and Mobile App Development Company in India | Silicon ...">
+              <a:extLst>
+                <a:ext uri="{FF2B5EF4-FFF2-40B4-BE49-F238E27FC236}">
+                  <a16:creationId xmlns:a16="http://schemas.microsoft.com/office/drawing/2014/main" id="{2D62CD02-EEA7-8147-8F70-2CEEFF4F6F9F}"/>
+                </a:ext>
+              </a:extLst>
+            </p:cNvPr>
+            <p:cNvPicPr>
+              <a:picLocks noChangeAspect="1" noChangeArrowheads="1"/>
+            </p:cNvPicPr>
+            <p:nvPr/>
+          </p:nvPicPr>
+          <p:blipFill>
+            <a:blip r:embed="rId3">
+              <a:extLst>
+                <a:ext uri="{28A0092B-C50C-407E-A947-70E740481C1C}">
+                  <a14:useLocalDpi xmlns:a14="http://schemas.microsoft.com/office/drawing/2010/main" val="0"/>
+                </a:ext>
+              </a:extLst>
+            </a:blip>
+            <a:srcRect/>
+            <a:stretch>
+              <a:fillRect/>
+            </a:stretch>
+          </p:blipFill>
+          <p:spPr bwMode="auto">
+            <a:xfrm>
+              <a:off x="4099747" y="2835030"/>
+              <a:ext cx="1107459" cy="1143134"/>
+            </a:xfrm>
+            <a:prstGeom prst="rect">
+              <a:avLst/>
+            </a:prstGeom>
+            <a:noFill/>
+            <a:extLst>
+              <a:ext uri="{909E8E84-426E-40DD-AFC4-6F175D3DCCD1}">
+                <a14:hiddenFill xmlns:a14="http://schemas.microsoft.com/office/drawing/2010/main">
+                  <a:solidFill>
+                    <a:srgbClr val="FFFFFF"/>
+                  </a:solidFill>
+                </a14:hiddenFill>
+              </a:ext>
+            </a:extLst>
+          </p:spPr>
+        </p:pic>
+      </p:grpSp>
+      <p:grpSp>
+        <p:nvGrpSpPr>
+          <p:cNvPr id="35" name="Group 34">
+            <a:extLst>
+              <a:ext uri="{FF2B5EF4-FFF2-40B4-BE49-F238E27FC236}">
+                <a16:creationId xmlns:a16="http://schemas.microsoft.com/office/drawing/2014/main" id="{25A0267E-3FAB-394B-88FC-3D4B3D8BB3EA}"/>
+              </a:ext>
+            </a:extLst>
+          </p:cNvPr>
+          <p:cNvGrpSpPr/>
+          <p:nvPr/>
+        </p:nvGrpSpPr>
+        <p:grpSpPr>
+          <a:xfrm>
+            <a:off x="5600234" y="1203256"/>
+            <a:ext cx="1453370" cy="1500187"/>
+            <a:chOff x="6117851" y="4781495"/>
+            <a:chExt cx="1873342" cy="1873342"/>
+          </a:xfrm>
+        </p:grpSpPr>
+        <p:pic>
+          <p:nvPicPr>
+            <p:cNvPr id="1026" name="Picture 2">
+              <a:extLst>
+                <a:ext uri="{FF2B5EF4-FFF2-40B4-BE49-F238E27FC236}">
+                  <a16:creationId xmlns:a16="http://schemas.microsoft.com/office/drawing/2014/main" id="{AE3B5928-C79C-8348-AFC0-E2535F6154F9}"/>
+                </a:ext>
+              </a:extLst>
+            </p:cNvPr>
+            <p:cNvPicPr>
+              <a:picLocks noChangeAspect="1" noChangeArrowheads="1"/>
+            </p:cNvPicPr>
+            <p:nvPr/>
+          </p:nvPicPr>
+          <p:blipFill>
+            <a:blip r:embed="rId4">
+              <a:extLst>
+                <a:ext uri="{28A0092B-C50C-407E-A947-70E740481C1C}">
+                  <a14:useLocalDpi xmlns:a14="http://schemas.microsoft.com/office/drawing/2010/main" val="0"/>
+                </a:ext>
+              </a:extLst>
+            </a:blip>
+            <a:srcRect/>
+            <a:stretch>
+              <a:fillRect/>
+            </a:stretch>
+          </p:blipFill>
+          <p:spPr bwMode="auto">
+            <a:xfrm>
+              <a:off x="6433256" y="5343336"/>
+              <a:ext cx="1242532" cy="749661"/>
+            </a:xfrm>
+            <a:prstGeom prst="rect">
+              <a:avLst/>
+            </a:prstGeom>
+            <a:noFill/>
+            <a:extLst>
+              <a:ext uri="{909E8E84-426E-40DD-AFC4-6F175D3DCCD1}">
+                <a14:hiddenFill xmlns:a14="http://schemas.microsoft.com/office/drawing/2010/main">
+                  <a:solidFill>
+                    <a:srgbClr val="FFFFFF"/>
+                  </a:solidFill>
+                </a14:hiddenFill>
+              </a:ext>
+            </a:extLst>
+          </p:spPr>
+        </p:pic>
+        <p:sp>
+          <p:nvSpPr>
+            <p:cNvPr id="28" name="Rectangle 27">
+              <a:extLst>
+                <a:ext uri="{FF2B5EF4-FFF2-40B4-BE49-F238E27FC236}">
+                  <a16:creationId xmlns:a16="http://schemas.microsoft.com/office/drawing/2014/main" id="{5847AFCD-907E-F34B-BF05-D8F4365E2FF0}"/>
+                </a:ext>
+              </a:extLst>
+            </p:cNvPr>
+            <p:cNvSpPr>
+              <a:spLocks noChangeAspect="1"/>
+            </p:cNvSpPr>
+            <p:nvPr/>
+          </p:nvSpPr>
+          <p:spPr>
+            <a:xfrm>
+              <a:off x="6117851" y="4781495"/>
+              <a:ext cx="1873342" cy="1873342"/>
+            </a:xfrm>
+            <a:prstGeom prst="rect">
+              <a:avLst/>
+            </a:prstGeom>
+            <a:noFill/>
+            <a:ln w="57150">
+              <a:solidFill>
+                <a:schemeClr val="tx1"/>
+              </a:solidFill>
+            </a:ln>
+          </p:spPr>
+          <p:style>
+            <a:lnRef idx="2">
+              <a:schemeClr val="accent1">
+                <a:shade val="50000"/>
+              </a:schemeClr>
+            </a:lnRef>
+            <a:fillRef idx="1">
+              <a:schemeClr val="accent1"/>
+            </a:fillRef>
+            <a:effectRef idx="0">
+              <a:schemeClr val="accent1"/>
+            </a:effectRef>
+            <a:fontRef idx="minor">
+              <a:schemeClr val="lt1"/>
+            </a:fontRef>
+          </p:style>
+          <p:txBody>
+            <a:bodyPr rtlCol="0" anchor="ctr"/>
+            <a:lstStyle/>
+            <a:p>
+              <a:pPr algn="ctr"/>
+              <a:endParaRPr lang="en-FR" sz="3600" dirty="0">
+                <a:solidFill>
+                  <a:schemeClr val="tx1"/>
+                </a:solidFill>
+              </a:endParaRPr>
+            </a:p>
+          </p:txBody>
+        </p:sp>
+      </p:grpSp>
+      <p:grpSp>
+        <p:nvGrpSpPr>
+          <p:cNvPr id="44" name="Group 43">
+            <a:extLst>
+              <a:ext uri="{FF2B5EF4-FFF2-40B4-BE49-F238E27FC236}">
+                <a16:creationId xmlns:a16="http://schemas.microsoft.com/office/drawing/2014/main" id="{4FAD72CC-065B-C144-8BED-C1FB541673BF}"/>
+              </a:ext>
+            </a:extLst>
+          </p:cNvPr>
+          <p:cNvGrpSpPr/>
+          <p:nvPr/>
+        </p:nvGrpSpPr>
+        <p:grpSpPr>
+          <a:xfrm>
+            <a:off x="646411" y="2693633"/>
+            <a:ext cx="1453370" cy="1500187"/>
+            <a:chOff x="1506240" y="4254228"/>
+            <a:chExt cx="1453370" cy="1500187"/>
+          </a:xfrm>
+        </p:grpSpPr>
+        <p:sp>
+          <p:nvSpPr>
+            <p:cNvPr id="47" name="Rectangle 46">
+              <a:extLst>
+                <a:ext uri="{FF2B5EF4-FFF2-40B4-BE49-F238E27FC236}">
+                  <a16:creationId xmlns:a16="http://schemas.microsoft.com/office/drawing/2014/main" id="{29BD98F4-5827-3649-940F-F2E7078B3EF3}"/>
+                </a:ext>
+              </a:extLst>
+            </p:cNvPr>
+            <p:cNvSpPr>
+              <a:spLocks noChangeAspect="1"/>
+            </p:cNvSpPr>
+            <p:nvPr/>
+          </p:nvSpPr>
+          <p:spPr>
+            <a:xfrm>
+              <a:off x="1506240" y="4254228"/>
+              <a:ext cx="1453370" cy="1500187"/>
+            </a:xfrm>
+            <a:prstGeom prst="rect">
+              <a:avLst/>
+            </a:prstGeom>
+            <a:noFill/>
+            <a:ln w="57150">
+              <a:solidFill>
+                <a:schemeClr val="tx1"/>
+              </a:solidFill>
+            </a:ln>
+          </p:spPr>
+          <p:style>
+            <a:lnRef idx="2">
+              <a:schemeClr val="accent1">
+                <a:shade val="50000"/>
+              </a:schemeClr>
+            </a:lnRef>
+            <a:fillRef idx="1">
+              <a:schemeClr val="accent1"/>
+            </a:fillRef>
+            <a:effectRef idx="0">
+              <a:schemeClr val="accent1"/>
+            </a:effectRef>
+            <a:fontRef idx="minor">
+              <a:schemeClr val="lt1"/>
+            </a:fontRef>
+          </p:style>
+          <p:txBody>
+            <a:bodyPr rtlCol="0" anchor="ctr"/>
+            <a:lstStyle/>
+            <a:p>
+              <a:pPr algn="ctr"/>
+              <a:endParaRPr lang="en-FR" sz="3600" dirty="0">
+                <a:solidFill>
+                  <a:schemeClr val="tx1"/>
+                </a:solidFill>
+              </a:endParaRPr>
+            </a:p>
+          </p:txBody>
+        </p:sp>
+        <p:pic>
+          <p:nvPicPr>
+            <p:cNvPr id="1028" name="Picture 4" descr="PostgreSQL - Wikipedia, wolna encyklopedia">
+              <a:extLst>
+                <a:ext uri="{FF2B5EF4-FFF2-40B4-BE49-F238E27FC236}">
+                  <a16:creationId xmlns:a16="http://schemas.microsoft.com/office/drawing/2014/main" id="{45F812CD-5AE8-F449-AD90-0828E4B5B91C}"/>
+                </a:ext>
+              </a:extLst>
+            </p:cNvPr>
+            <p:cNvPicPr>
+              <a:picLocks noChangeAspect="1" noChangeArrowheads="1"/>
+            </p:cNvPicPr>
+            <p:nvPr/>
+          </p:nvPicPr>
+          <p:blipFill>
+            <a:blip r:embed="rId5">
+              <a:extLst>
+                <a:ext uri="{28A0092B-C50C-407E-A947-70E740481C1C}">
+                  <a14:useLocalDpi xmlns:a14="http://schemas.microsoft.com/office/drawing/2010/main" val="0"/>
+                </a:ext>
+              </a:extLst>
+            </a:blip>
+            <a:srcRect/>
+            <a:stretch>
+              <a:fillRect/>
+            </a:stretch>
+          </p:blipFill>
+          <p:spPr bwMode="auto">
+            <a:xfrm>
+              <a:off x="1679219" y="4432753"/>
+              <a:ext cx="1107412" cy="1143135"/>
+            </a:xfrm>
+            <a:prstGeom prst="rect">
+              <a:avLst/>
+            </a:prstGeom>
+            <a:noFill/>
+            <a:extLst>
+              <a:ext uri="{909E8E84-426E-40DD-AFC4-6F175D3DCCD1}">
+                <a14:hiddenFill xmlns:a14="http://schemas.microsoft.com/office/drawing/2010/main">
+                  <a:solidFill>
+                    <a:srgbClr val="FFFFFF"/>
+                  </a:solidFill>
+                </a14:hiddenFill>
+              </a:ext>
+            </a:extLst>
+          </p:spPr>
+        </p:pic>
+      </p:grpSp>
+      <p:grpSp>
+        <p:nvGrpSpPr>
+          <p:cNvPr id="48" name="Group 47">
+            <a:extLst>
+              <a:ext uri="{FF2B5EF4-FFF2-40B4-BE49-F238E27FC236}">
+                <a16:creationId xmlns:a16="http://schemas.microsoft.com/office/drawing/2014/main" id="{C4EA9F19-38D0-B147-8B19-35DEAC98E726}"/>
+              </a:ext>
+            </a:extLst>
+          </p:cNvPr>
+          <p:cNvGrpSpPr/>
+          <p:nvPr/>
+        </p:nvGrpSpPr>
+        <p:grpSpPr>
+          <a:xfrm>
+            <a:off x="646411" y="395356"/>
+            <a:ext cx="1453370" cy="1500187"/>
+            <a:chOff x="2473422" y="1039652"/>
+            <a:chExt cx="1453370" cy="1500187"/>
+          </a:xfrm>
+        </p:grpSpPr>
+        <p:pic>
+          <p:nvPicPr>
+            <p:cNvPr id="1030" name="Picture 6" descr="pgAdmin 4 — pgAdmin 4 4.25 documentation">
+              <a:extLst>
+                <a:ext uri="{FF2B5EF4-FFF2-40B4-BE49-F238E27FC236}">
+                  <a16:creationId xmlns:a16="http://schemas.microsoft.com/office/drawing/2014/main" id="{8A1BA3FD-5EFE-934F-BCB8-15645D07152B}"/>
+                </a:ext>
+              </a:extLst>
+            </p:cNvPr>
+            <p:cNvPicPr>
+              <a:picLocks noChangeAspect="1" noChangeArrowheads="1"/>
+            </p:cNvPicPr>
+            <p:nvPr/>
+          </p:nvPicPr>
+          <p:blipFill>
+            <a:blip r:embed="rId6">
+              <a:extLst>
+                <a:ext uri="{28A0092B-C50C-407E-A947-70E740481C1C}">
+                  <a14:useLocalDpi xmlns:a14="http://schemas.microsoft.com/office/drawing/2010/main" val="0"/>
+                </a:ext>
+              </a:extLst>
+            </a:blip>
+            <a:srcRect/>
+            <a:stretch>
+              <a:fillRect/>
+            </a:stretch>
+          </p:blipFill>
+          <p:spPr bwMode="auto">
+            <a:xfrm>
+              <a:off x="2599820" y="1175128"/>
+              <a:ext cx="1229235" cy="1229235"/>
+            </a:xfrm>
+            <a:prstGeom prst="rect">
+              <a:avLst/>
+            </a:prstGeom>
+            <a:noFill/>
+            <a:extLst>
+              <a:ext uri="{909E8E84-426E-40DD-AFC4-6F175D3DCCD1}">
+                <a14:hiddenFill xmlns:a14="http://schemas.microsoft.com/office/drawing/2010/main">
+                  <a:solidFill>
+                    <a:srgbClr val="FFFFFF"/>
+                  </a:solidFill>
+                </a14:hiddenFill>
+              </a:ext>
+            </a:extLst>
+          </p:spPr>
+        </p:pic>
+        <p:sp>
+          <p:nvSpPr>
+            <p:cNvPr id="52" name="Rectangle 51">
+              <a:extLst>
+                <a:ext uri="{FF2B5EF4-FFF2-40B4-BE49-F238E27FC236}">
+                  <a16:creationId xmlns:a16="http://schemas.microsoft.com/office/drawing/2014/main" id="{B48383BC-B8B5-8A4F-971E-8EA15CDAADF9}"/>
+                </a:ext>
+              </a:extLst>
+            </p:cNvPr>
+            <p:cNvSpPr>
+              <a:spLocks noChangeAspect="1"/>
+            </p:cNvSpPr>
+            <p:nvPr/>
+          </p:nvSpPr>
+          <p:spPr>
+            <a:xfrm>
+              <a:off x="2473422" y="1039652"/>
+              <a:ext cx="1453370" cy="1500187"/>
+            </a:xfrm>
+            <a:prstGeom prst="rect">
+              <a:avLst/>
+            </a:prstGeom>
+            <a:noFill/>
+            <a:ln w="57150">
+              <a:solidFill>
+                <a:schemeClr val="tx1"/>
+              </a:solidFill>
+            </a:ln>
+          </p:spPr>
+          <p:style>
+            <a:lnRef idx="2">
+              <a:schemeClr val="accent1">
+                <a:shade val="50000"/>
+              </a:schemeClr>
+            </a:lnRef>
+            <a:fillRef idx="1">
+              <a:schemeClr val="accent1"/>
+            </a:fillRef>
+            <a:effectRef idx="0">
+              <a:schemeClr val="accent1"/>
+            </a:effectRef>
+            <a:fontRef idx="minor">
+              <a:schemeClr val="lt1"/>
+            </a:fontRef>
+          </p:style>
+          <p:txBody>
+            <a:bodyPr rtlCol="0" anchor="ctr"/>
+            <a:lstStyle/>
+            <a:p>
+              <a:pPr algn="ctr"/>
+              <a:endParaRPr lang="en-FR" sz="3600" dirty="0">
+                <a:solidFill>
+                  <a:schemeClr val="tx1"/>
+                </a:solidFill>
+              </a:endParaRPr>
+            </a:p>
+          </p:txBody>
+        </p:sp>
+      </p:grpSp>
+      <p:grpSp>
+        <p:nvGrpSpPr>
+          <p:cNvPr id="49" name="Group 48">
+            <a:extLst>
+              <a:ext uri="{FF2B5EF4-FFF2-40B4-BE49-F238E27FC236}">
+                <a16:creationId xmlns:a16="http://schemas.microsoft.com/office/drawing/2014/main" id="{BBFB7730-8A16-9B41-B96C-A823D3E7706A}"/>
+              </a:ext>
+            </a:extLst>
+          </p:cNvPr>
+          <p:cNvGrpSpPr/>
+          <p:nvPr/>
+        </p:nvGrpSpPr>
+        <p:grpSpPr>
+          <a:xfrm>
+            <a:off x="8077144" y="2693633"/>
             <a:ext cx="1453370" cy="1500187"/>
             <a:chOff x="5926926" y="4571823"/>
             <a:chExt cx="1453370" cy="1500187"/>
@@ -4413,10 +5441,10 @@
         </p:grpSpPr>
         <p:pic>
           <p:nvPicPr>
-            <p:cNvPr id="61" name="Picture 8" descr="Upgrade Running Nginx on Amazon Linux - PTS: Technical ...">
+            <p:cNvPr id="1032" name="Picture 8" descr="Upgrade Running Nginx on Amazon Linux - PTS: Technical ...">
               <a:extLst>
                 <a:ext uri="{FF2B5EF4-FFF2-40B4-BE49-F238E27FC236}">
-                  <a16:creationId xmlns:a16="http://schemas.microsoft.com/office/drawing/2014/main" id="{26187E73-1B50-D046-AFCC-9DFB60DE5386}"/>
+                  <a16:creationId xmlns:a16="http://schemas.microsoft.com/office/drawing/2014/main" id="{AB81126B-1469-B146-9089-5F692EF1C923}"/>
                 </a:ext>
               </a:extLst>
             </p:cNvPr>
@@ -4460,10 +5488,10 @@
         </p:pic>
         <p:sp>
           <p:nvSpPr>
-            <p:cNvPr id="62" name="Rectangle 61">
+            <p:cNvPr id="57" name="Rectangle 56">
               <a:extLst>
                 <a:ext uri="{FF2B5EF4-FFF2-40B4-BE49-F238E27FC236}">
-                  <a16:creationId xmlns:a16="http://schemas.microsoft.com/office/drawing/2014/main" id="{515BEF01-739B-794D-AACE-0241B772E608}"/>
+                  <a16:creationId xmlns:a16="http://schemas.microsoft.com/office/drawing/2014/main" id="{F127E176-E328-8F49-A563-96EECACA6F0E}"/>
                 </a:ext>
               </a:extLst>
             </p:cNvPr>
@@ -4575,15 +5603,15 @@
           </p:cNvPr>
           <p:cNvCxnSpPr>
             <a:cxnSpLocks/>
-            <a:stCxn id="62" idx="3"/>
+            <a:stCxn id="45" idx="3"/>
             <a:endCxn id="14" idx="1"/>
           </p:cNvCxnSpPr>
           <p:nvPr/>
         </p:nvCxnSpPr>
         <p:spPr>
-          <a:xfrm flipV="1">
-            <a:off x="9530514" y="5408607"/>
-            <a:ext cx="926569" cy="1"/>
+          <a:xfrm>
+            <a:off x="9491639" y="4940746"/>
+            <a:ext cx="956910" cy="0"/>
           </a:xfrm>
           <a:prstGeom prst="straightConnector1">
             <a:avLst/>
@@ -4628,9 +5656,9 @@
           <p:nvPr/>
         </p:nvCxnSpPr>
         <p:spPr>
-          <a:xfrm flipH="1" flipV="1">
-            <a:off x="4576692" y="3443726"/>
-            <a:ext cx="1023541" cy="1"/>
+          <a:xfrm flipH="1">
+            <a:off x="4819046" y="1953350"/>
+            <a:ext cx="781188" cy="1500186"/>
           </a:xfrm>
           <a:prstGeom prst="straightConnector1">
             <a:avLst/>
@@ -4670,14 +5698,13 @@
           <p:cNvCxnSpPr>
             <a:cxnSpLocks/>
             <a:stCxn id="28" idx="3"/>
-            <a:endCxn id="57" idx="1"/>
           </p:cNvCxnSpPr>
           <p:nvPr/>
         </p:nvCxnSpPr>
         <p:spPr>
           <a:xfrm>
-            <a:off x="7053603" y="3443727"/>
-            <a:ext cx="1023541" cy="0"/>
+            <a:off x="7053604" y="1953350"/>
+            <a:ext cx="1014810" cy="0"/>
           </a:xfrm>
           <a:prstGeom prst="straightConnector1">
             <a:avLst/>
@@ -4734,8 +5761,8 @@
         </p:blipFill>
         <p:spPr bwMode="auto">
           <a:xfrm>
-            <a:off x="10509669" y="601796"/>
-            <a:ext cx="1087307" cy="1087307"/>
+            <a:off x="10726136" y="151484"/>
+            <a:ext cx="758696" cy="758696"/>
           </a:xfrm>
           <a:prstGeom prst="rect">
             <a:avLst/>
@@ -4825,8 +5852,8 @@
         </p:blipFill>
         <p:spPr bwMode="auto">
           <a:xfrm>
-            <a:off x="10554054" y="2944458"/>
-            <a:ext cx="998537" cy="998537"/>
+            <a:off x="10726136" y="1572725"/>
+            <a:ext cx="741628" cy="741628"/>
           </a:xfrm>
           <a:prstGeom prst="rect">
             <a:avLst/>
@@ -4854,15 +5881,15 @@
           </p:cNvPr>
           <p:cNvCxnSpPr>
             <a:cxnSpLocks/>
-            <a:stCxn id="57" idx="3"/>
+            <a:stCxn id="46" idx="3"/>
             <a:endCxn id="1036" idx="1"/>
           </p:cNvCxnSpPr>
           <p:nvPr/>
         </p:nvCxnSpPr>
         <p:spPr>
           <a:xfrm>
-            <a:off x="9530514" y="3443727"/>
-            <a:ext cx="1023540" cy="0"/>
+            <a:off x="9491639" y="1943539"/>
+            <a:ext cx="1234497" cy="0"/>
           </a:xfrm>
           <a:prstGeom prst="straightConnector1">
             <a:avLst/>
@@ -4890,10 +5917,510 @@
           </a:fontRef>
         </p:style>
       </p:cxnSp>
+      <p:sp>
+        <p:nvSpPr>
+          <p:cNvPr id="39" name="Rectangle 38">
+            <a:extLst>
+              <a:ext uri="{FF2B5EF4-FFF2-40B4-BE49-F238E27FC236}">
+                <a16:creationId xmlns:a16="http://schemas.microsoft.com/office/drawing/2014/main" id="{DB5CC7A9-1B86-AC46-B742-DF66E2F25E79}"/>
+              </a:ext>
+            </a:extLst>
+          </p:cNvPr>
+          <p:cNvSpPr>
+            <a:spLocks noChangeAspect="1"/>
+          </p:cNvSpPr>
+          <p:nvPr/>
+        </p:nvSpPr>
+        <p:spPr>
+          <a:xfrm>
+            <a:off x="8077144" y="1199776"/>
+            <a:ext cx="1453370" cy="4487897"/>
+          </a:xfrm>
+          <a:prstGeom prst="rect">
+            <a:avLst/>
+          </a:prstGeom>
+          <a:noFill/>
+          <a:ln w="57150">
+            <a:solidFill>
+              <a:schemeClr val="tx1"/>
+            </a:solidFill>
+            <a:prstDash val="dash"/>
+          </a:ln>
+        </p:spPr>
+        <p:style>
+          <a:lnRef idx="2">
+            <a:schemeClr val="accent1">
+              <a:shade val="50000"/>
+            </a:schemeClr>
+          </a:lnRef>
+          <a:fillRef idx="1">
+            <a:schemeClr val="accent1"/>
+          </a:fillRef>
+          <a:effectRef idx="0">
+            <a:schemeClr val="accent1"/>
+          </a:effectRef>
+          <a:fontRef idx="minor">
+            <a:schemeClr val="lt1"/>
+          </a:fontRef>
+        </p:style>
+        <p:txBody>
+          <a:bodyPr rtlCol="0" anchor="ctr"/>
+          <a:lstStyle/>
+          <a:p>
+            <a:pPr algn="ctr"/>
+            <a:endParaRPr lang="en-FR" sz="3600" dirty="0">
+              <a:solidFill>
+                <a:schemeClr val="tx1"/>
+              </a:solidFill>
+            </a:endParaRPr>
+          </a:p>
+        </p:txBody>
+      </p:sp>
+      <p:pic>
+        <p:nvPicPr>
+          <p:cNvPr id="45" name="Picture 8" descr="Upgrade Running Nginx on Amazon Linux - PTS: Technical ...">
+            <a:extLst>
+              <a:ext uri="{FF2B5EF4-FFF2-40B4-BE49-F238E27FC236}">
+                <a16:creationId xmlns:a16="http://schemas.microsoft.com/office/drawing/2014/main" id="{86AD3A9F-FAF4-5F42-8755-D9B29E61D156}"/>
+              </a:ext>
+            </a:extLst>
+          </p:cNvPr>
+          <p:cNvPicPr>
+            <a:picLocks noChangeAspect="1" noChangeArrowheads="1"/>
+          </p:cNvPicPr>
+          <p:nvPr/>
+        </p:nvPicPr>
+        <p:blipFill>
+          <a:blip r:embed="rId7">
+            <a:extLst>
+              <a:ext uri="{28A0092B-C50C-407E-A947-70E740481C1C}">
+                <a14:useLocalDpi xmlns:a14="http://schemas.microsoft.com/office/drawing/2010/main" val="0"/>
+              </a:ext>
+            </a:extLst>
+          </a:blip>
+          <a:srcRect/>
+          <a:stretch>
+            <a:fillRect/>
+          </a:stretch>
+        </p:blipFill>
+        <p:spPr bwMode="auto">
+          <a:xfrm>
+            <a:off x="8116019" y="4252936"/>
+            <a:ext cx="1375620" cy="1375620"/>
+          </a:xfrm>
+          <a:prstGeom prst="rect">
+            <a:avLst/>
+          </a:prstGeom>
+          <a:noFill/>
+          <a:extLst>
+            <a:ext uri="{909E8E84-426E-40DD-AFC4-6F175D3DCCD1}">
+              <a14:hiddenFill xmlns:a14="http://schemas.microsoft.com/office/drawing/2010/main">
+                <a:solidFill>
+                  <a:srgbClr val="FFFFFF"/>
+                </a:solidFill>
+              </a14:hiddenFill>
+            </a:ext>
+          </a:extLst>
+        </p:spPr>
+      </p:pic>
+      <p:pic>
+        <p:nvPicPr>
+          <p:cNvPr id="46" name="Picture 8" descr="Upgrade Running Nginx on Amazon Linux - PTS: Technical ...">
+            <a:extLst>
+              <a:ext uri="{FF2B5EF4-FFF2-40B4-BE49-F238E27FC236}">
+                <a16:creationId xmlns:a16="http://schemas.microsoft.com/office/drawing/2014/main" id="{21BFE414-3976-CD45-ACB8-663926D69CAE}"/>
+              </a:ext>
+            </a:extLst>
+          </p:cNvPr>
+          <p:cNvPicPr>
+            <a:picLocks noChangeAspect="1" noChangeArrowheads="1"/>
+          </p:cNvPicPr>
+          <p:nvPr/>
+        </p:nvPicPr>
+        <p:blipFill>
+          <a:blip r:embed="rId7">
+            <a:extLst>
+              <a:ext uri="{28A0092B-C50C-407E-A947-70E740481C1C}">
+                <a14:useLocalDpi xmlns:a14="http://schemas.microsoft.com/office/drawing/2010/main" val="0"/>
+              </a:ext>
+            </a:extLst>
+          </a:blip>
+          <a:srcRect/>
+          <a:stretch>
+            <a:fillRect/>
+          </a:stretch>
+        </p:blipFill>
+        <p:spPr bwMode="auto">
+          <a:xfrm>
+            <a:off x="8116019" y="1255729"/>
+            <a:ext cx="1375620" cy="1375620"/>
+          </a:xfrm>
+          <a:prstGeom prst="rect">
+            <a:avLst/>
+          </a:prstGeom>
+          <a:noFill/>
+          <a:extLst>
+            <a:ext uri="{909E8E84-426E-40DD-AFC4-6F175D3DCCD1}">
+              <a14:hiddenFill xmlns:a14="http://schemas.microsoft.com/office/drawing/2010/main">
+                <a:solidFill>
+                  <a:srgbClr val="FFFFFF"/>
+                </a:solidFill>
+              </a14:hiddenFill>
+            </a:ext>
+          </a:extLst>
+        </p:spPr>
+      </p:pic>
+      <p:cxnSp>
+        <p:nvCxnSpPr>
+          <p:cNvPr id="64" name="Straight Arrow Connector 63">
+            <a:extLst>
+              <a:ext uri="{FF2B5EF4-FFF2-40B4-BE49-F238E27FC236}">
+                <a16:creationId xmlns:a16="http://schemas.microsoft.com/office/drawing/2014/main" id="{18B48A51-DD57-CA4F-9E5E-70AC20A8033B}"/>
+              </a:ext>
+            </a:extLst>
+          </p:cNvPr>
+          <p:cNvCxnSpPr>
+            <a:cxnSpLocks/>
+            <a:stCxn id="39" idx="3"/>
+            <a:endCxn id="14" idx="1"/>
+          </p:cNvCxnSpPr>
+          <p:nvPr/>
+        </p:nvCxnSpPr>
+        <p:spPr>
+          <a:xfrm>
+            <a:off x="9530514" y="3443725"/>
+            <a:ext cx="918035" cy="1497021"/>
+          </a:xfrm>
+          <a:prstGeom prst="straightConnector1">
+            <a:avLst/>
+          </a:prstGeom>
+          <a:ln w="38100">
+            <a:solidFill>
+              <a:schemeClr val="tx1"/>
+            </a:solidFill>
+            <a:headEnd type="triangle"/>
+            <a:tailEnd type="triangle"/>
+          </a:ln>
+        </p:spPr>
+        <p:style>
+          <a:lnRef idx="1">
+            <a:schemeClr val="accent1"/>
+          </a:lnRef>
+          <a:fillRef idx="0">
+            <a:schemeClr val="accent1"/>
+          </a:fillRef>
+          <a:effectRef idx="0">
+            <a:schemeClr val="accent1"/>
+          </a:effectRef>
+          <a:fontRef idx="minor">
+            <a:schemeClr val="tx1"/>
+          </a:fontRef>
+        </p:style>
+      </p:cxnSp>
+      <p:cxnSp>
+        <p:nvCxnSpPr>
+          <p:cNvPr id="66" name="Straight Arrow Connector 65">
+            <a:extLst>
+              <a:ext uri="{FF2B5EF4-FFF2-40B4-BE49-F238E27FC236}">
+                <a16:creationId xmlns:a16="http://schemas.microsoft.com/office/drawing/2014/main" id="{B9044552-6F0A-014D-A506-2485FD24A1F6}"/>
+              </a:ext>
+            </a:extLst>
+          </p:cNvPr>
+          <p:cNvCxnSpPr>
+            <a:cxnSpLocks/>
+            <a:stCxn id="39" idx="1"/>
+            <a:endCxn id="4" idx="3"/>
+          </p:cNvCxnSpPr>
+          <p:nvPr/>
+        </p:nvCxnSpPr>
+        <p:spPr>
+          <a:xfrm flipH="1">
+            <a:off x="4819046" y="3443725"/>
+            <a:ext cx="3258098" cy="9811"/>
+          </a:xfrm>
+          <a:prstGeom prst="straightConnector1">
+            <a:avLst/>
+          </a:prstGeom>
+          <a:ln w="76200">
+            <a:solidFill>
+              <a:schemeClr val="tx1"/>
+            </a:solidFill>
+            <a:headEnd type="triangle"/>
+            <a:tailEnd type="triangle"/>
+          </a:ln>
+        </p:spPr>
+        <p:style>
+          <a:lnRef idx="1">
+            <a:schemeClr val="accent1"/>
+          </a:lnRef>
+          <a:fillRef idx="0">
+            <a:schemeClr val="accent1"/>
+          </a:fillRef>
+          <a:effectRef idx="0">
+            <a:schemeClr val="accent1"/>
+          </a:effectRef>
+          <a:fontRef idx="minor">
+            <a:schemeClr val="tx1"/>
+          </a:fontRef>
+        </p:style>
+      </p:cxnSp>
+      <p:sp>
+        <p:nvSpPr>
+          <p:cNvPr id="2" name="TextBox 1">
+            <a:extLst>
+              <a:ext uri="{FF2B5EF4-FFF2-40B4-BE49-F238E27FC236}">
+                <a16:creationId xmlns:a16="http://schemas.microsoft.com/office/drawing/2014/main" id="{0D03B634-86B0-3B47-BE23-8FD9292C3005}"/>
+              </a:ext>
+            </a:extLst>
+          </p:cNvPr>
+          <p:cNvSpPr txBox="1"/>
+          <p:nvPr/>
+        </p:nvSpPr>
+        <p:spPr>
+          <a:xfrm>
+            <a:off x="1373096" y="2109922"/>
+            <a:ext cx="1225848" cy="369332"/>
+          </a:xfrm>
+          <a:prstGeom prst="rect">
+            <a:avLst/>
+          </a:prstGeom>
+          <a:noFill/>
+        </p:spPr>
+        <p:txBody>
+          <a:bodyPr wrap="none" rtlCol="0">
+            <a:spAutoFit/>
+          </a:bodyPr>
+          <a:lstStyle/>
+          <a:p>
+            <a:r>
+              <a:rPr lang="en-GB" dirty="0"/>
+              <a:t>p</a:t>
+            </a:r>
+            <a:r>
+              <a:rPr lang="en-FR" dirty="0"/>
+              <a:t>ostgres://</a:t>
+            </a:r>
+          </a:p>
+        </p:txBody>
+      </p:sp>
+      <p:sp>
+        <p:nvSpPr>
+          <p:cNvPr id="33" name="TextBox 32">
+            <a:extLst>
+              <a:ext uri="{FF2B5EF4-FFF2-40B4-BE49-F238E27FC236}">
+                <a16:creationId xmlns:a16="http://schemas.microsoft.com/office/drawing/2014/main" id="{27EF3511-6A65-7948-9BD7-B9056D8D37DC}"/>
+              </a:ext>
+            </a:extLst>
+          </p:cNvPr>
+          <p:cNvSpPr txBox="1"/>
+          <p:nvPr/>
+        </p:nvSpPr>
+        <p:spPr>
+          <a:xfrm>
+            <a:off x="2112388" y="3034872"/>
+            <a:ext cx="1225848" cy="369332"/>
+          </a:xfrm>
+          <a:prstGeom prst="rect">
+            <a:avLst/>
+          </a:prstGeom>
+          <a:noFill/>
+        </p:spPr>
+        <p:txBody>
+          <a:bodyPr wrap="none" rtlCol="0">
+            <a:spAutoFit/>
+          </a:bodyPr>
+          <a:lstStyle/>
+          <a:p>
+            <a:r>
+              <a:rPr lang="en-GB" dirty="0"/>
+              <a:t>p</a:t>
+            </a:r>
+            <a:r>
+              <a:rPr lang="en-FR" dirty="0"/>
+              <a:t>ostgres://</a:t>
+            </a:r>
+          </a:p>
+        </p:txBody>
+      </p:sp>
+      <p:sp>
+        <p:nvSpPr>
+          <p:cNvPr id="3" name="TextBox 2">
+            <a:extLst>
+              <a:ext uri="{FF2B5EF4-FFF2-40B4-BE49-F238E27FC236}">
+                <a16:creationId xmlns:a16="http://schemas.microsoft.com/office/drawing/2014/main" id="{A7669B97-4F3A-2F4A-BD9D-0F51279C09D9}"/>
+              </a:ext>
+            </a:extLst>
+          </p:cNvPr>
+          <p:cNvSpPr txBox="1"/>
+          <p:nvPr/>
+        </p:nvSpPr>
+        <p:spPr>
+          <a:xfrm>
+            <a:off x="4774836" y="2068851"/>
+            <a:ext cx="576825" cy="369332"/>
+          </a:xfrm>
+          <a:prstGeom prst="rect">
+            <a:avLst/>
+          </a:prstGeom>
+          <a:noFill/>
+        </p:spPr>
+        <p:txBody>
+          <a:bodyPr wrap="none" rtlCol="0">
+            <a:spAutoFit/>
+          </a:bodyPr>
+          <a:lstStyle/>
+          <a:p>
+            <a:r>
+              <a:rPr lang="en-FR" dirty="0"/>
+              <a:t>http</a:t>
+            </a:r>
+          </a:p>
+        </p:txBody>
+      </p:sp>
+      <p:sp>
+        <p:nvSpPr>
+          <p:cNvPr id="36" name="TextBox 35">
+            <a:extLst>
+              <a:ext uri="{FF2B5EF4-FFF2-40B4-BE49-F238E27FC236}">
+                <a16:creationId xmlns:a16="http://schemas.microsoft.com/office/drawing/2014/main" id="{E40BB929-60D9-E943-B34D-6D32EB176CE4}"/>
+              </a:ext>
+            </a:extLst>
+          </p:cNvPr>
+          <p:cNvSpPr txBox="1"/>
+          <p:nvPr/>
+        </p:nvSpPr>
+        <p:spPr>
+          <a:xfrm>
+            <a:off x="6038506" y="3062797"/>
+            <a:ext cx="576825" cy="369332"/>
+          </a:xfrm>
+          <a:prstGeom prst="rect">
+            <a:avLst/>
+          </a:prstGeom>
+          <a:noFill/>
+        </p:spPr>
+        <p:txBody>
+          <a:bodyPr wrap="none" rtlCol="0">
+            <a:spAutoFit/>
+          </a:bodyPr>
+          <a:lstStyle/>
+          <a:p>
+            <a:r>
+              <a:rPr lang="en-FR" dirty="0"/>
+              <a:t>http</a:t>
+            </a:r>
+          </a:p>
+        </p:txBody>
+      </p:sp>
+      <p:sp>
+        <p:nvSpPr>
+          <p:cNvPr id="37" name="TextBox 36">
+            <a:extLst>
+              <a:ext uri="{FF2B5EF4-FFF2-40B4-BE49-F238E27FC236}">
+                <a16:creationId xmlns:a16="http://schemas.microsoft.com/office/drawing/2014/main" id="{0AEB6715-DFB7-E345-9E68-6084BBD98B48}"/>
+              </a:ext>
+            </a:extLst>
+          </p:cNvPr>
+          <p:cNvSpPr txBox="1"/>
+          <p:nvPr/>
+        </p:nvSpPr>
+        <p:spPr>
+          <a:xfrm>
+            <a:off x="10108887" y="4218149"/>
+            <a:ext cx="576825" cy="369332"/>
+          </a:xfrm>
+          <a:prstGeom prst="rect">
+            <a:avLst/>
+          </a:prstGeom>
+          <a:noFill/>
+        </p:spPr>
+        <p:txBody>
+          <a:bodyPr wrap="none" rtlCol="0">
+            <a:spAutoFit/>
+          </a:bodyPr>
+          <a:lstStyle/>
+          <a:p>
+            <a:r>
+              <a:rPr lang="en-FR" dirty="0"/>
+              <a:t>http</a:t>
+            </a:r>
+          </a:p>
+        </p:txBody>
+      </p:sp>
+      <p:sp>
+        <p:nvSpPr>
+          <p:cNvPr id="38" name="TextBox 37">
+            <a:extLst>
+              <a:ext uri="{FF2B5EF4-FFF2-40B4-BE49-F238E27FC236}">
+                <a16:creationId xmlns:a16="http://schemas.microsoft.com/office/drawing/2014/main" id="{0DD2FEFF-4781-E147-8A8B-23BB2AE8396D}"/>
+              </a:ext>
+            </a:extLst>
+          </p:cNvPr>
+          <p:cNvSpPr txBox="1"/>
+          <p:nvPr/>
+        </p:nvSpPr>
+        <p:spPr>
+          <a:xfrm>
+            <a:off x="10064051" y="4971051"/>
+            <a:ext cx="576825" cy="369332"/>
+          </a:xfrm>
+          <a:prstGeom prst="rect">
+            <a:avLst/>
+          </a:prstGeom>
+          <a:noFill/>
+        </p:spPr>
+        <p:txBody>
+          <a:bodyPr wrap="none" rtlCol="0">
+            <a:spAutoFit/>
+          </a:bodyPr>
+          <a:lstStyle/>
+          <a:p>
+            <a:r>
+              <a:rPr lang="en-FR" dirty="0"/>
+              <a:t>http</a:t>
+            </a:r>
+          </a:p>
+        </p:txBody>
+      </p:sp>
+      <p:sp>
+        <p:nvSpPr>
+          <p:cNvPr id="40" name="TextBox 39">
+            <a:extLst>
+              <a:ext uri="{FF2B5EF4-FFF2-40B4-BE49-F238E27FC236}">
+                <a16:creationId xmlns:a16="http://schemas.microsoft.com/office/drawing/2014/main" id="{9866CFCA-D78D-6047-837D-09344DCC1137}"/>
+              </a:ext>
+            </a:extLst>
+          </p:cNvPr>
+          <p:cNvSpPr txBox="1"/>
+          <p:nvPr/>
+        </p:nvSpPr>
+        <p:spPr>
+          <a:xfrm>
+            <a:off x="10068593" y="1572725"/>
+            <a:ext cx="576825" cy="369332"/>
+          </a:xfrm>
+          <a:prstGeom prst="rect">
+            <a:avLst/>
+          </a:prstGeom>
+          <a:noFill/>
+        </p:spPr>
+        <p:txBody>
+          <a:bodyPr wrap="none" rtlCol="0">
+            <a:spAutoFit/>
+          </a:bodyPr>
+          <a:lstStyle/>
+          <a:p>
+            <a:r>
+              <a:rPr lang="en-FR" dirty="0"/>
+              <a:t>http</a:t>
+            </a:r>
+          </a:p>
+        </p:txBody>
+      </p:sp>
     </p:spTree>
     <p:extLst>
       <p:ext uri="{BB962C8B-B14F-4D97-AF65-F5344CB8AC3E}">
-        <p14:creationId xmlns:p14="http://schemas.microsoft.com/office/powerpoint/2010/main" val="1555432743"/>
+        <p14:creationId xmlns:p14="http://schemas.microsoft.com/office/powerpoint/2010/main" val="2631723296"/>
       </p:ext>
     </p:extLst>
   </p:cSld>
